--- a/302-변수와 자료형/302-3.자료형..pptx
+++ b/302-변수와 자료형/302-3.자료형..pptx
@@ -27,10 +27,10 @@
     <p:sldId id="22699" r:id="rId21"/>
     <p:sldId id="22701" r:id="rId22"/>
     <p:sldId id="22888" r:id="rId23"/>
-    <p:sldId id="22889" r:id="rId24"/>
-    <p:sldId id="22890" r:id="rId25"/>
-    <p:sldId id="22891" r:id="rId26"/>
-    <p:sldId id="22905" r:id="rId27"/>
+    <p:sldId id="22905" r:id="rId24"/>
+    <p:sldId id="22889" r:id="rId25"/>
+    <p:sldId id="22890" r:id="rId26"/>
+    <p:sldId id="22891" r:id="rId27"/>
     <p:sldId id="22917" r:id="rId28"/>
     <p:sldId id="22707" r:id="rId29"/>
     <p:sldId id="263" r:id="rId30"/>
@@ -300,7 +300,7 @@
           <a:p>
             <a:fld id="{B6871469-CBE6-43DC-896C-747C53FE154A}" type="datetimeFigureOut">
               <a:rPr lang="ko-KR" altLang="en-US" smtClean="0"/>
-              <a:t>2023-05-20</a:t>
+              <a:t>2023-05-23</a:t>
             </a:fld>
             <a:endParaRPr lang="ko-KR" altLang="en-US"/>
           </a:p>
@@ -498,7 +498,7 @@
           <a:p>
             <a:fld id="{B6871469-CBE6-43DC-896C-747C53FE154A}" type="datetimeFigureOut">
               <a:rPr lang="ko-KR" altLang="en-US" smtClean="0"/>
-              <a:t>2023-05-20</a:t>
+              <a:t>2023-05-23</a:t>
             </a:fld>
             <a:endParaRPr lang="ko-KR" altLang="en-US"/>
           </a:p>
@@ -706,7 +706,7 @@
           <a:p>
             <a:fld id="{B6871469-CBE6-43DC-896C-747C53FE154A}" type="datetimeFigureOut">
               <a:rPr lang="ko-KR" altLang="en-US" smtClean="0"/>
-              <a:t>2023-05-20</a:t>
+              <a:t>2023-05-23</a:t>
             </a:fld>
             <a:endParaRPr lang="ko-KR" altLang="en-US"/>
           </a:p>
@@ -904,7 +904,7 @@
           <a:p>
             <a:fld id="{B6871469-CBE6-43DC-896C-747C53FE154A}" type="datetimeFigureOut">
               <a:rPr lang="ko-KR" altLang="en-US" smtClean="0"/>
-              <a:t>2023-05-20</a:t>
+              <a:t>2023-05-23</a:t>
             </a:fld>
             <a:endParaRPr lang="ko-KR" altLang="en-US"/>
           </a:p>
@@ -1179,7 +1179,7 @@
           <a:p>
             <a:fld id="{B6871469-CBE6-43DC-896C-747C53FE154A}" type="datetimeFigureOut">
               <a:rPr lang="ko-KR" altLang="en-US" smtClean="0"/>
-              <a:t>2023-05-20</a:t>
+              <a:t>2023-05-23</a:t>
             </a:fld>
             <a:endParaRPr lang="ko-KR" altLang="en-US"/>
           </a:p>
@@ -1444,7 +1444,7 @@
           <a:p>
             <a:fld id="{B6871469-CBE6-43DC-896C-747C53FE154A}" type="datetimeFigureOut">
               <a:rPr lang="ko-KR" altLang="en-US" smtClean="0"/>
-              <a:t>2023-05-20</a:t>
+              <a:t>2023-05-23</a:t>
             </a:fld>
             <a:endParaRPr lang="ko-KR" altLang="en-US"/>
           </a:p>
@@ -1856,7 +1856,7 @@
           <a:p>
             <a:fld id="{B6871469-CBE6-43DC-896C-747C53FE154A}" type="datetimeFigureOut">
               <a:rPr lang="ko-KR" altLang="en-US" smtClean="0"/>
-              <a:t>2023-05-20</a:t>
+              <a:t>2023-05-23</a:t>
             </a:fld>
             <a:endParaRPr lang="ko-KR" altLang="en-US"/>
           </a:p>
@@ -1997,7 +1997,7 @@
           <a:p>
             <a:fld id="{B6871469-CBE6-43DC-896C-747C53FE154A}" type="datetimeFigureOut">
               <a:rPr lang="ko-KR" altLang="en-US" smtClean="0"/>
-              <a:t>2023-05-20</a:t>
+              <a:t>2023-05-23</a:t>
             </a:fld>
             <a:endParaRPr lang="ko-KR" altLang="en-US"/>
           </a:p>
@@ -2110,7 +2110,7 @@
           <a:p>
             <a:fld id="{B6871469-CBE6-43DC-896C-747C53FE154A}" type="datetimeFigureOut">
               <a:rPr lang="ko-KR" altLang="en-US" smtClean="0"/>
-              <a:t>2023-05-20</a:t>
+              <a:t>2023-05-23</a:t>
             </a:fld>
             <a:endParaRPr lang="ko-KR" altLang="en-US"/>
           </a:p>
@@ -2421,7 +2421,7 @@
           <a:p>
             <a:fld id="{B6871469-CBE6-43DC-896C-747C53FE154A}" type="datetimeFigureOut">
               <a:rPr lang="ko-KR" altLang="en-US" smtClean="0"/>
-              <a:t>2023-05-20</a:t>
+              <a:t>2023-05-23</a:t>
             </a:fld>
             <a:endParaRPr lang="ko-KR" altLang="en-US"/>
           </a:p>
@@ -2709,7 +2709,7 @@
           <a:p>
             <a:fld id="{B6871469-CBE6-43DC-896C-747C53FE154A}" type="datetimeFigureOut">
               <a:rPr lang="ko-KR" altLang="en-US" smtClean="0"/>
-              <a:t>2023-05-20</a:t>
+              <a:t>2023-05-23</a:t>
             </a:fld>
             <a:endParaRPr lang="ko-KR" altLang="en-US"/>
           </a:p>
@@ -2950,7 +2950,7 @@
           <a:p>
             <a:fld id="{B6871469-CBE6-43DC-896C-747C53FE154A}" type="datetimeFigureOut">
               <a:rPr lang="ko-KR" altLang="en-US" smtClean="0"/>
-              <a:t>2023-05-20</a:t>
+              <a:t>2023-05-23</a:t>
             </a:fld>
             <a:endParaRPr lang="ko-KR" altLang="en-US"/>
           </a:p>
@@ -3744,7 +3744,7 @@
         <p:spPr>
           <a:xfrm>
             <a:off x="455474" y="1332080"/>
-            <a:ext cx="11281052" cy="4999638"/>
+            <a:ext cx="11281052" cy="3589876"/>
           </a:xfrm>
           <a:prstGeom prst="rect">
             <a:avLst/>
@@ -3921,138 +3921,144 @@
           <a:p>
             <a:pPr lvl="1"/>
             <a:r>
-              <a:rPr lang="ko-KR" altLang="en-US">
+              <a:rPr lang="ko-KR" altLang="en-US" dirty="0">
                 <a:latin typeface="+mn-ea"/>
               </a:rPr>
               <a:t>자료형 검사</a:t>
             </a:r>
-            <a:endParaRPr lang="en-US" altLang="ko-KR">
+            <a:endParaRPr lang="en-US" altLang="ko-KR" dirty="0">
               <a:latin typeface="+mn-ea"/>
             </a:endParaRPr>
           </a:p>
           <a:p>
             <a:pPr lvl="2"/>
             <a:r>
-              <a:rPr lang="en-US" altLang="ko-KR">
+              <a:rPr lang="en-US" altLang="ko-KR" dirty="0" err="1">
                 <a:latin typeface="+mn-ea"/>
               </a:rPr>
-              <a:t>typeof </a:t>
-            </a:r>
-            <a:r>
-              <a:rPr lang="ko-KR" altLang="en-US">
+              <a:t>typeof</a:t>
+            </a:r>
+            <a:r>
+              <a:rPr lang="en-US" altLang="ko-KR" dirty="0">
                 <a:latin typeface="+mn-ea"/>
               </a:rPr>
+              <a:t> </a:t>
+            </a:r>
+            <a:r>
+              <a:rPr lang="ko-KR" altLang="en-US" dirty="0">
+                <a:latin typeface="+mn-ea"/>
+              </a:rPr>
               <a:t>연산자</a:t>
             </a:r>
-            <a:endParaRPr lang="en-US" altLang="ko-KR">
+            <a:endParaRPr lang="en-US" altLang="ko-KR" dirty="0">
               <a:latin typeface="+mn-ea"/>
             </a:endParaRPr>
           </a:p>
           <a:p>
             <a:pPr lvl="2"/>
-            <a:endParaRPr lang="en-US" altLang="ko-KR">
+            <a:endParaRPr lang="en-US" altLang="ko-KR" dirty="0">
               <a:latin typeface="+mn-ea"/>
             </a:endParaRPr>
           </a:p>
           <a:p>
             <a:pPr lvl="2"/>
-            <a:endParaRPr lang="en-US" altLang="ko-KR">
+            <a:endParaRPr lang="en-US" altLang="ko-KR" dirty="0">
               <a:latin typeface="+mn-ea"/>
             </a:endParaRPr>
           </a:p>
           <a:p>
             <a:pPr lvl="2"/>
-            <a:endParaRPr lang="en-US" altLang="ko-KR">
+            <a:endParaRPr lang="en-US" altLang="ko-KR" dirty="0">
               <a:latin typeface="+mn-ea"/>
             </a:endParaRPr>
           </a:p>
           <a:p>
             <a:pPr lvl="2"/>
-            <a:endParaRPr lang="en-US" altLang="ko-KR">
+            <a:endParaRPr lang="en-US" altLang="ko-KR" dirty="0">
               <a:latin typeface="+mn-ea"/>
             </a:endParaRPr>
           </a:p>
           <a:p>
             <a:pPr lvl="2"/>
-            <a:endParaRPr lang="en-US" altLang="ko-KR">
+            <a:endParaRPr lang="en-US" altLang="ko-KR" dirty="0">
               <a:latin typeface="+mn-ea"/>
             </a:endParaRPr>
           </a:p>
           <a:p>
             <a:pPr lvl="2"/>
-            <a:endParaRPr lang="en-US" altLang="ko-KR">
+            <a:endParaRPr lang="en-US" altLang="ko-KR" dirty="0">
               <a:latin typeface="+mn-ea"/>
             </a:endParaRPr>
           </a:p>
           <a:p>
             <a:pPr lvl="2"/>
             <a:r>
-              <a:rPr lang="en-US" altLang="ko-KR">
+              <a:rPr lang="en-US" altLang="ko-KR" dirty="0" err="1">
                 <a:latin typeface="+mn-ea"/>
               </a:rPr>
-              <a:t>typeof </a:t>
-            </a:r>
-            <a:r>
-              <a:rPr lang="ko-KR" altLang="en-US">
+              <a:t>typeof</a:t>
+            </a:r>
+            <a:r>
+              <a:rPr lang="en-US" altLang="ko-KR" dirty="0">
                 <a:latin typeface="+mn-ea"/>
               </a:rPr>
+              <a:t> </a:t>
+            </a:r>
+            <a:r>
+              <a:rPr lang="ko-KR" altLang="en-US" dirty="0">
+                <a:latin typeface="+mn-ea"/>
+              </a:rPr>
               <a:t>연산자는 결과로 </a:t>
             </a:r>
             <a:r>
-              <a:rPr lang="en-US" altLang="ko-KR">
+              <a:rPr lang="en-US" altLang="ko-KR" dirty="0">
                 <a:latin typeface="+mn-ea"/>
               </a:rPr>
-              <a:t>string, number, boolean, undefined, function, object, symbol, bigint</a:t>
-            </a:r>
-            <a:r>
-              <a:rPr lang="ko-KR" altLang="en-US">
+              <a:t>string, number, </a:t>
+            </a:r>
+            <a:r>
+              <a:rPr lang="en-US" altLang="ko-KR" dirty="0" err="1">
                 <a:latin typeface="+mn-ea"/>
               </a:rPr>
+              <a:t>boolean</a:t>
+            </a:r>
+            <a:r>
+              <a:rPr lang="en-US" altLang="ko-KR" dirty="0">
+                <a:latin typeface="+mn-ea"/>
+              </a:rPr>
+              <a:t>, undefined, function, object, symbol, </a:t>
+            </a:r>
+            <a:r>
+              <a:rPr lang="en-US" altLang="ko-KR" dirty="0" err="1">
+                <a:latin typeface="+mn-ea"/>
+              </a:rPr>
+              <a:t>bigint</a:t>
+            </a:r>
+            <a:r>
+              <a:rPr lang="ko-KR" altLang="en-US" dirty="0">
+                <a:latin typeface="+mn-ea"/>
+              </a:rPr>
               <a:t>라는 </a:t>
             </a:r>
             <a:r>
-              <a:rPr lang="en-US" altLang="ko-KR">
+              <a:rPr lang="en-US" altLang="ko-KR" dirty="0">
                 <a:latin typeface="+mn-ea"/>
               </a:rPr>
               <a:t>8</a:t>
             </a:r>
             <a:r>
-              <a:rPr lang="ko-KR" altLang="en-US">
+              <a:rPr lang="ko-KR" altLang="en-US" dirty="0">
                 <a:latin typeface="+mn-ea"/>
               </a:rPr>
               <a:t>가지 중에 하나를 출력</a:t>
             </a:r>
-            <a:endParaRPr lang="en-US" altLang="ko-KR">
+            <a:endParaRPr lang="en-US" altLang="ko-KR" sz="1600" dirty="0">
               <a:latin typeface="+mn-ea"/>
             </a:endParaRPr>
           </a:p>
           <a:p>
-            <a:pPr lvl="2"/>
-            <a:endParaRPr lang="en-US" altLang="ko-KR" sz="1600">
-              <a:latin typeface="+mn-ea"/>
-            </a:endParaRPr>
-          </a:p>
-          <a:p>
             <a:pPr lvl="1"/>
-            <a:endParaRPr lang="en-US" altLang="ko-KR" sz="1600">
-              <a:latin typeface="+mn-ea"/>
-            </a:endParaRPr>
-          </a:p>
-          <a:p>
-            <a:pPr lvl="1"/>
-            <a:endParaRPr lang="en-US" altLang="ko-KR" sz="1600">
-              <a:latin typeface="+mn-ea"/>
-            </a:endParaRPr>
-          </a:p>
-          <a:p>
-            <a:pPr lvl="1"/>
-            <a:endParaRPr lang="en-US" altLang="ko-KR" sz="1600">
-              <a:latin typeface="+mn-ea"/>
-            </a:endParaRPr>
-          </a:p>
-          <a:p>
-            <a:pPr lvl="1"/>
-            <a:endParaRPr lang="en-US" altLang="ko-KR" sz="1600">
+            <a:endParaRPr lang="en-US" altLang="ko-KR" sz="1600" dirty="0">
               <a:latin typeface="+mn-ea"/>
             </a:endParaRPr>
           </a:p>
@@ -6711,38 +6717,6 @@
       </p:grpSpPr>
       <p:sp>
         <p:nvSpPr>
-          <p:cNvPr id="5" name="바닥글 개체 틀 4">
-            <a:extLst>
-              <a:ext uri="{FF2B5EF4-FFF2-40B4-BE49-F238E27FC236}">
-                <a16:creationId xmlns:a16="http://schemas.microsoft.com/office/drawing/2014/main" id="{521CC3B3-B1D2-D64F-BD06-599FE41C482E}"/>
-              </a:ext>
-            </a:extLst>
-          </p:cNvPr>
-          <p:cNvSpPr>
-            <a:spLocks noGrp="1"/>
-          </p:cNvSpPr>
-          <p:nvPr>
-            <p:ph type="ftr" sz="quarter" idx="11"/>
-          </p:nvPr>
-        </p:nvSpPr>
-        <p:spPr/>
-        <p:txBody>
-          <a:bodyPr/>
-          <a:lstStyle/>
-          <a:p>
-            <a:r>
-              <a:rPr kumimoji="1" lang="en-US" altLang="ko-KR"/>
-              <a:t>Do it! </a:t>
-            </a:r>
-            <a:r>
-              <a:rPr kumimoji="1" lang="ko-KR" altLang="en-US"/>
-              <a:t>자바스크립트 입문</a:t>
-            </a:r>
-          </a:p>
-        </p:txBody>
-      </p:sp>
-      <p:sp>
-        <p:nvSpPr>
           <p:cNvPr id="3" name="TextBox 2">
             <a:extLst>
               <a:ext uri="{FF2B5EF4-FFF2-40B4-BE49-F238E27FC236}">
@@ -6791,7 +6765,7 @@
         </p:nvSpPr>
         <p:spPr>
           <a:xfrm>
-            <a:off x="927127" y="1474904"/>
+            <a:off x="780170" y="1295577"/>
             <a:ext cx="5845510" cy="4747775"/>
           </a:xfrm>
           <a:prstGeom prst="rect">
@@ -7590,7 +7564,7 @@
         </p:nvSpPr>
         <p:spPr>
           <a:xfrm>
-            <a:off x="817517" y="1368471"/>
+            <a:off x="431074" y="1351196"/>
             <a:ext cx="9612630" cy="1152688"/>
           </a:xfrm>
           <a:prstGeom prst="rect">
@@ -7709,7 +7683,7 @@
         </p:nvSpPr>
         <p:spPr>
           <a:xfrm>
-            <a:off x="1061357" y="2828109"/>
+            <a:off x="587829" y="2936557"/>
             <a:ext cx="6097904" cy="984885"/>
           </a:xfrm>
           <a:prstGeom prst="rect">
@@ -7980,38 +7954,6 @@
       </p:grpSpPr>
       <p:sp>
         <p:nvSpPr>
-          <p:cNvPr id="5" name="바닥글 개체 틀 4">
-            <a:extLst>
-              <a:ext uri="{FF2B5EF4-FFF2-40B4-BE49-F238E27FC236}">
-                <a16:creationId xmlns:a16="http://schemas.microsoft.com/office/drawing/2014/main" id="{521CC3B3-B1D2-D64F-BD06-599FE41C482E}"/>
-              </a:ext>
-            </a:extLst>
-          </p:cNvPr>
-          <p:cNvSpPr>
-            <a:spLocks noGrp="1"/>
-          </p:cNvSpPr>
-          <p:nvPr>
-            <p:ph type="ftr" sz="quarter" idx="11"/>
-          </p:nvPr>
-        </p:nvSpPr>
-        <p:spPr/>
-        <p:txBody>
-          <a:bodyPr/>
-          <a:lstStyle/>
-          <a:p>
-            <a:r>
-              <a:rPr kumimoji="1" lang="en-US" altLang="ko-KR"/>
-              <a:t>Do it! </a:t>
-            </a:r>
-            <a:r>
-              <a:rPr kumimoji="1" lang="ko-KR" altLang="en-US"/>
-              <a:t>자바스크립트 입문</a:t>
-            </a:r>
-          </a:p>
-        </p:txBody>
-      </p:sp>
-      <p:sp>
-        <p:nvSpPr>
           <p:cNvPr id="3" name="TextBox 2">
             <a:extLst>
               <a:ext uri="{FF2B5EF4-FFF2-40B4-BE49-F238E27FC236}">
@@ -8060,8 +8002,8 @@
         </p:nvSpPr>
         <p:spPr>
           <a:xfrm>
-            <a:off x="904425" y="1519933"/>
-            <a:ext cx="7912608" cy="2580706"/>
+            <a:off x="463553" y="1258676"/>
+            <a:ext cx="7912608" cy="1285288"/>
           </a:xfrm>
           <a:prstGeom prst="rect">
             <a:avLst/>
@@ -8074,18 +8016,6 @@
           </a:bodyPr>
           <a:lstStyle/>
           <a:p>
-            <a:pPr>
-              <a:lnSpc>
-                <a:spcPct val="150000"/>
-              </a:lnSpc>
-            </a:pPr>
-            <a:r>
-              <a:rPr lang="ko-KR" altLang="en-US" sz="2000" b="1" dirty="0"/>
-              <a:t>문자형</a:t>
-            </a:r>
-            <a:endParaRPr lang="en-US" altLang="ko-KR" sz="2000" b="1" dirty="0"/>
-          </a:p>
-          <a:p>
             <a:pPr marL="285750" indent="-285750">
               <a:lnSpc>
                 <a:spcPct val="150000"/>
@@ -8194,25 +8124,6 @@
               <a:t>＂ 처럼 사용 </a:t>
             </a:r>
             <a:endParaRPr lang="en-US" altLang="ko-KR" dirty="0"/>
-          </a:p>
-          <a:p>
-            <a:pPr>
-              <a:lnSpc>
-                <a:spcPct val="150000"/>
-              </a:lnSpc>
-            </a:pPr>
-            <a:endParaRPr kumimoji="1" lang="en-US" altLang="ko-KR" dirty="0"/>
-          </a:p>
-          <a:p>
-            <a:pPr>
-              <a:lnSpc>
-                <a:spcPct val="150000"/>
-              </a:lnSpc>
-            </a:pPr>
-            <a:r>
-              <a:rPr kumimoji="1" lang="ko-KR" altLang="en-US" dirty="0"/>
-              <a:t> </a:t>
-            </a:r>
           </a:p>
         </p:txBody>
       </p:sp>
@@ -8238,8 +8149,8 @@
         </p:blipFill>
         <p:spPr>
           <a:xfrm>
-            <a:off x="1141934" y="3490484"/>
-            <a:ext cx="4676976" cy="1720855"/>
+            <a:off x="517981" y="2995733"/>
+            <a:ext cx="5881623" cy="2164095"/>
           </a:xfrm>
           <a:prstGeom prst="rect">
             <a:avLst/>
@@ -8248,10 +8159,10 @@
       </p:pic>
       <p:sp>
         <p:nvSpPr>
-          <p:cNvPr id="9" name="TextBox 8">
+          <p:cNvPr id="2" name="TextBox 1">
             <a:extLst>
               <a:ext uri="{FF2B5EF4-FFF2-40B4-BE49-F238E27FC236}">
-                <a16:creationId xmlns:a16="http://schemas.microsoft.com/office/drawing/2014/main" id="{96CBCBA7-3E07-24C9-40D6-5849DAF8D7A1}"/>
+                <a16:creationId xmlns:a16="http://schemas.microsoft.com/office/drawing/2014/main" id="{3D76DC62-7F5A-E2E1-CD45-AEEBC39F68D4}"/>
               </a:ext>
             </a:extLst>
           </p:cNvPr>
@@ -8261,7 +8172,7 @@
         <p:spPr>
           <a:xfrm>
             <a:off x="306647" y="319086"/>
-            <a:ext cx="4319781" cy="707886"/>
+            <a:ext cx="4308895" cy="707886"/>
           </a:xfrm>
           <a:prstGeom prst="rect">
             <a:avLst/>
@@ -8280,8 +8191,21 @@
                 <a:ea typeface="KoPubWorld돋움체 Bold" panose="00000800000000000000" pitchFamily="2" charset="-127"/>
                 <a:cs typeface="KoPubWorld돋움체 Bold" panose="00000800000000000000" pitchFamily="2" charset="-127"/>
               </a:rPr>
-              <a:t>자료형 이해하기</a:t>
-            </a:r>
+              <a:t>문자열</a:t>
+            </a:r>
+            <a:r>
+              <a:rPr lang="en-US" altLang="ko-KR" sz="4000" dirty="0">
+                <a:latin typeface="KoPubWorld돋움체 Bold" panose="00000800000000000000" pitchFamily="2" charset="-127"/>
+                <a:ea typeface="KoPubWorld돋움체 Bold" panose="00000800000000000000" pitchFamily="2" charset="-127"/>
+                <a:cs typeface="KoPubWorld돋움체 Bold" panose="00000800000000000000" pitchFamily="2" charset="-127"/>
+              </a:rPr>
+              <a:t>(string)</a:t>
+            </a:r>
+            <a:endParaRPr lang="ko-KR" altLang="en-US" sz="4000" dirty="0">
+              <a:latin typeface="KoPubWorld돋움체 Bold" panose="00000800000000000000" pitchFamily="2" charset="-127"/>
+              <a:ea typeface="KoPubWorld돋움체 Bold" panose="00000800000000000000" pitchFamily="2" charset="-127"/>
+              <a:cs typeface="KoPubWorld돋움체 Bold" panose="00000800000000000000" pitchFamily="2" charset="-127"/>
+            </a:endParaRPr>
           </a:p>
         </p:txBody>
       </p:sp>
@@ -8317,58 +8241,6 @@
       </p:grpSpPr>
       <p:sp>
         <p:nvSpPr>
-          <p:cNvPr id="4" name="TextBox 3">
-            <a:extLst>
-              <a:ext uri="{FF2B5EF4-FFF2-40B4-BE49-F238E27FC236}">
-                <a16:creationId xmlns:a16="http://schemas.microsoft.com/office/drawing/2014/main" id="{AE198254-4CD6-B88B-42C3-E57D575F22A0}"/>
-              </a:ext>
-            </a:extLst>
-          </p:cNvPr>
-          <p:cNvSpPr txBox="1"/>
-          <p:nvPr/>
-        </p:nvSpPr>
-        <p:spPr>
-          <a:xfrm>
-            <a:off x="306647" y="319086"/>
-            <a:ext cx="6377181" cy="707886"/>
-          </a:xfrm>
-          <a:prstGeom prst="rect">
-            <a:avLst/>
-          </a:prstGeom>
-          <a:noFill/>
-        </p:spPr>
-        <p:txBody>
-          <a:bodyPr wrap="square">
-            <a:spAutoFit/>
-          </a:bodyPr>
-          <a:lstStyle/>
-          <a:p>
-            <a:r>
-              <a:rPr lang="ko-KR" altLang="en-US" sz="4000" dirty="0">
-                <a:latin typeface="KoPubWorld돋움체 Bold" panose="00000800000000000000" pitchFamily="2" charset="-127"/>
-                <a:ea typeface="KoPubWorld돋움체 Bold" panose="00000800000000000000" pitchFamily="2" charset="-127"/>
-                <a:cs typeface="KoPubWorld돋움체 Bold" panose="00000800000000000000" pitchFamily="2" charset="-127"/>
-              </a:rPr>
-              <a:t>기본 자료형</a:t>
-            </a:r>
-            <a:r>
-              <a:rPr lang="en-US" altLang="ko-KR" sz="4000" dirty="0">
-                <a:latin typeface="KoPubWorld돋움체 Bold" panose="00000800000000000000" pitchFamily="2" charset="-127"/>
-                <a:ea typeface="KoPubWorld돋움체 Bold" panose="00000800000000000000" pitchFamily="2" charset="-127"/>
-                <a:cs typeface="KoPubWorld돋움체 Bold" panose="00000800000000000000" pitchFamily="2" charset="-127"/>
-              </a:rPr>
-              <a:t>(2)</a:t>
-            </a:r>
-            <a:endParaRPr lang="ko-KR" altLang="en-US" sz="4000" dirty="0">
-              <a:latin typeface="KoPubWorld돋움체 Bold" panose="00000800000000000000" pitchFamily="2" charset="-127"/>
-              <a:ea typeface="KoPubWorld돋움체 Bold" panose="00000800000000000000" pitchFamily="2" charset="-127"/>
-              <a:cs typeface="KoPubWorld돋움체 Bold" panose="00000800000000000000" pitchFamily="2" charset="-127"/>
-            </a:endParaRPr>
-          </a:p>
-        </p:txBody>
-      </p:sp>
-      <p:sp>
-        <p:nvSpPr>
           <p:cNvPr id="2" name="텍스트 개체 틀 8">
             <a:extLst>
               <a:ext uri="{FF2B5EF4-FFF2-40B4-BE49-F238E27FC236}">
@@ -8383,8 +8255,8 @@
         </p:nvSpPr>
         <p:spPr>
           <a:xfrm>
-            <a:off x="455474" y="1288537"/>
-            <a:ext cx="11281052" cy="4999638"/>
+            <a:off x="373831" y="1197926"/>
+            <a:ext cx="11281052" cy="4043545"/>
           </a:xfrm>
           <a:prstGeom prst="rect">
             <a:avLst/>
@@ -8561,164 +8433,172 @@
           <a:p>
             <a:pPr lvl="1"/>
             <a:r>
-              <a:rPr lang="ko-KR" altLang="en-US">
+              <a:rPr lang="ko-KR" altLang="en-US" dirty="0">
                 <a:latin typeface="+mn-ea"/>
               </a:rPr>
               <a:t>문자열 자료형</a:t>
             </a:r>
-            <a:endParaRPr lang="en-US" altLang="ko-KR">
+            <a:endParaRPr lang="en-US" altLang="ko-KR" dirty="0">
               <a:latin typeface="+mn-ea"/>
             </a:endParaRPr>
           </a:p>
           <a:p>
             <a:pPr lvl="2"/>
             <a:r>
-              <a:rPr lang="ko-KR" altLang="en-US">
+              <a:rPr lang="ko-KR" altLang="en-US" dirty="0">
                 <a:latin typeface="+mn-ea"/>
               </a:rPr>
               <a:t>큰 따옴표와 작은 따옴표 병행 사용</a:t>
             </a:r>
-            <a:endParaRPr lang="en-US" altLang="ko-KR">
+            <a:endParaRPr lang="en-US" altLang="ko-KR" dirty="0">
               <a:latin typeface="+mn-ea"/>
             </a:endParaRPr>
           </a:p>
           <a:p>
             <a:pPr lvl="2"/>
             <a:r>
-              <a:rPr lang="ko-KR" altLang="en-US">
+              <a:rPr lang="ko-KR" altLang="en-US" dirty="0">
                 <a:latin typeface="+mn-ea"/>
               </a:rPr>
               <a:t>특수 문자</a:t>
             </a:r>
-            <a:endParaRPr lang="en-US" altLang="ko-KR">
+            <a:endParaRPr lang="en-US" altLang="ko-KR" dirty="0">
               <a:latin typeface="+mn-ea"/>
             </a:endParaRPr>
           </a:p>
           <a:p>
             <a:pPr lvl="3"/>
             <a:r>
-              <a:rPr lang="ko-KR" altLang="en-US">
+              <a:rPr lang="ko-KR" altLang="en-US" dirty="0">
                 <a:latin typeface="+mn-ea"/>
               </a:rPr>
               <a:t>이스케이프</a:t>
             </a:r>
             <a:r>
-              <a:rPr lang="en-US" altLang="ko-KR"/>
+              <a:rPr lang="en-US" altLang="ko-KR" dirty="0"/>
               <a:t>\ : </a:t>
             </a:r>
             <a:r>
-              <a:rPr lang="ko-KR" altLang="en-US"/>
+              <a:rPr lang="ko-KR" altLang="en-US" dirty="0"/>
               <a:t>따옴표를 문자 그대로 사용해야 할 때</a:t>
             </a:r>
-            <a:endParaRPr lang="en-US" altLang="ko-KR"/>
+            <a:endParaRPr lang="en-US" altLang="ko-KR" dirty="0"/>
           </a:p>
           <a:p>
             <a:pPr lvl="3"/>
             <a:r>
-              <a:rPr lang="en-US" altLang="ko-KR"/>
+              <a:rPr lang="en-US" altLang="ko-KR" dirty="0"/>
               <a:t>\n: </a:t>
             </a:r>
             <a:r>
-              <a:rPr lang="ko-KR" altLang="en-US"/>
-              <a:t>줄바꿈       </a:t>
-            </a:r>
-            <a:r>
-              <a:rPr lang="en-US" altLang="ko-KR"/>
+              <a:rPr lang="ko-KR" altLang="en-US" dirty="0" err="1"/>
+              <a:t>줄바꿈</a:t>
+            </a:r>
+            <a:r>
+              <a:rPr lang="ko-KR" altLang="en-US" dirty="0"/>
+              <a:t>       </a:t>
+            </a:r>
+            <a:r>
+              <a:rPr lang="en-US" altLang="ko-KR" dirty="0"/>
               <a:t>\t: </a:t>
             </a:r>
             <a:r>
-              <a:rPr lang="ko-KR" altLang="en-US"/>
+              <a:rPr lang="ko-KR" altLang="en-US" dirty="0"/>
               <a:t>탭           </a:t>
             </a:r>
             <a:r>
-              <a:rPr lang="en-US" altLang="ko-KR"/>
+              <a:rPr lang="en-US" altLang="ko-KR" dirty="0"/>
               <a:t>\\: </a:t>
             </a:r>
             <a:r>
-              <a:rPr lang="ko-KR" altLang="en-US"/>
+              <a:rPr lang="ko-KR" altLang="en-US" dirty="0" err="1"/>
               <a:t>역슬래시</a:t>
             </a:r>
             <a:r>
-              <a:rPr lang="en-US" altLang="ko-KR"/>
+              <a:rPr lang="en-US" altLang="ko-KR" dirty="0"/>
               <a:t>(\) </a:t>
             </a:r>
             <a:r>
-              <a:rPr lang="ko-KR" altLang="en-US"/>
+              <a:rPr lang="ko-KR" altLang="en-US" dirty="0"/>
               <a:t>그 자체를 의미</a:t>
             </a:r>
-            <a:endParaRPr lang="en-US" altLang="ko-KR"/>
+            <a:endParaRPr lang="en-US" altLang="ko-KR" dirty="0"/>
           </a:p>
           <a:p>
             <a:pPr lvl="2"/>
             <a:r>
-              <a:rPr lang="ko-KR" altLang="en-US"/>
+              <a:rPr lang="ko-KR" altLang="en-US" dirty="0"/>
               <a:t>문자열 연산자</a:t>
             </a:r>
-            <a:endParaRPr lang="en-US" altLang="ko-KR"/>
+            <a:endParaRPr lang="en-US" altLang="ko-KR" dirty="0"/>
           </a:p>
           <a:p>
             <a:pPr lvl="3"/>
             <a:r>
-              <a:rPr lang="ko-KR" altLang="en-US"/>
+              <a:rPr lang="ko-KR" altLang="en-US" dirty="0"/>
               <a:t>숫자 자료와 마찬가지로 문자열도 기호를 사용해서 연산 처리</a:t>
             </a:r>
-            <a:endParaRPr lang="en-US" altLang="ko-KR"/>
+            <a:endParaRPr lang="en-US" altLang="ko-KR" dirty="0"/>
           </a:p>
           <a:p>
             <a:pPr lvl="3"/>
-            <a:endParaRPr lang="en-US" altLang="ko-KR"/>
+            <a:endParaRPr lang="en-US" altLang="ko-KR" dirty="0"/>
           </a:p>
           <a:p>
             <a:pPr lvl="3"/>
-            <a:endParaRPr lang="en-US" altLang="ko-KR"/>
+            <a:endParaRPr lang="en-US" altLang="ko-KR" dirty="0"/>
           </a:p>
           <a:p>
             <a:pPr lvl="2"/>
-            <a:r>
-              <a:rPr lang="ko-KR" altLang="en-US"/>
+            <a:endParaRPr lang="en-US" altLang="ko-KR" dirty="0"/>
+          </a:p>
+          <a:p>
+            <a:pPr lvl="2"/>
+            <a:r>
+              <a:rPr lang="ko-KR" altLang="en-US" dirty="0"/>
               <a:t>문자 선택 연산자</a:t>
             </a:r>
-            <a:endParaRPr lang="en-US" altLang="ko-KR"/>
+            <a:endParaRPr lang="en-US" altLang="ko-KR" dirty="0"/>
           </a:p>
           <a:p>
             <a:pPr lvl="3"/>
             <a:r>
-              <a:rPr lang="ko-KR" altLang="en-US"/>
+              <a:rPr lang="ko-KR" altLang="en-US" dirty="0"/>
               <a:t>문자열 내부의 문자 하나를 선택</a:t>
             </a:r>
-            <a:endParaRPr lang="en-US" altLang="ko-KR"/>
+            <a:endParaRPr lang="en-US" altLang="ko-KR" dirty="0"/>
           </a:p>
           <a:p>
             <a:pPr lvl="3"/>
-            <a:endParaRPr lang="en-US" altLang="ko-KR"/>
+            <a:endParaRPr lang="en-US" altLang="ko-KR" dirty="0"/>
           </a:p>
           <a:p>
             <a:pPr lvl="2"/>
-            <a:endParaRPr lang="en-US" altLang="ko-KR" sz="1600">
+            <a:endParaRPr lang="en-US" altLang="ko-KR" sz="1600" dirty="0">
               <a:latin typeface="+mn-ea"/>
             </a:endParaRPr>
           </a:p>
           <a:p>
             <a:pPr lvl="1"/>
-            <a:endParaRPr lang="en-US" altLang="ko-KR" sz="1600">
+            <a:endParaRPr lang="en-US" altLang="ko-KR" sz="1600" dirty="0">
               <a:latin typeface="+mn-ea"/>
             </a:endParaRPr>
           </a:p>
           <a:p>
             <a:pPr lvl="1"/>
-            <a:endParaRPr lang="en-US" altLang="ko-KR" sz="1600">
+            <a:endParaRPr lang="en-US" altLang="ko-KR" sz="1600" dirty="0">
               <a:latin typeface="+mn-ea"/>
             </a:endParaRPr>
           </a:p>
           <a:p>
             <a:pPr lvl="1"/>
-            <a:endParaRPr lang="en-US" altLang="ko-KR" sz="1600">
+            <a:endParaRPr lang="en-US" altLang="ko-KR" sz="1600" dirty="0">
               <a:latin typeface="+mn-ea"/>
             </a:endParaRPr>
           </a:p>
           <a:p>
             <a:pPr lvl="1"/>
-            <a:endParaRPr lang="en-US" altLang="ko-KR" sz="1600">
+            <a:endParaRPr lang="en-US" altLang="ko-KR" sz="1600" dirty="0">
               <a:latin typeface="+mn-ea"/>
             </a:endParaRPr>
           </a:p>
@@ -8742,7 +8622,13 @@
           <p:cNvGraphicFramePr>
             <a:graphicFrameLocks noGrp="1"/>
           </p:cNvGraphicFramePr>
-          <p:nvPr/>
+          <p:nvPr>
+            <p:extLst>
+              <p:ext uri="{D42A27DB-BD31-4B8C-83A1-F6EECF244321}">
+                <p14:modId xmlns:p14="http://schemas.microsoft.com/office/powerpoint/2010/main" val="320752070"/>
+              </p:ext>
+            </p:extLst>
+          </p:nvPr>
         </p:nvGraphicFramePr>
         <p:xfrm>
           <a:off x="2094241" y="3697745"/>
@@ -8792,7 +8678,23 @@
                             <a:sysClr val="windowText" lastClr="000000"/>
                           </a:solidFill>
                         </a:rPr>
-                        <a:t>' + '</a:t>
+                        <a:t>' </a:t>
+                      </a:r>
+                      <a:r>
+                        <a:rPr lang="en-US" altLang="ko-KR" sz="1400" b="0" dirty="0">
+                          <a:solidFill>
+                            <a:srgbClr val="FF0000"/>
+                          </a:solidFill>
+                        </a:rPr>
+                        <a:t>+</a:t>
+                      </a:r>
+                      <a:r>
+                        <a:rPr lang="en-US" altLang="ko-KR" sz="1400" b="0" dirty="0">
+                          <a:solidFill>
+                            <a:sysClr val="windowText" lastClr="000000"/>
+                          </a:solidFill>
+                        </a:rPr>
+                        <a:t> '</a:t>
                       </a:r>
                       <a:r>
                         <a:rPr lang="ko-KR" altLang="en-US" sz="1400" b="0" dirty="0">
@@ -8808,7 +8710,23 @@
                             <a:sysClr val="windowText" lastClr="000000"/>
                           </a:solidFill>
                         </a:rPr>
-                        <a:t>' + '</a:t>
+                        <a:t>' </a:t>
+                      </a:r>
+                      <a:r>
+                        <a:rPr lang="en-US" altLang="ko-KR" sz="1400" b="0" dirty="0">
+                          <a:solidFill>
+                            <a:srgbClr val="FF0000"/>
+                          </a:solidFill>
+                        </a:rPr>
+                        <a:t>+</a:t>
+                      </a:r>
+                      <a:r>
+                        <a:rPr lang="en-US" altLang="ko-KR" sz="1400" b="0" dirty="0">
+                          <a:solidFill>
+                            <a:sysClr val="windowText" lastClr="000000"/>
+                          </a:solidFill>
+                        </a:rPr>
+                        <a:t> '</a:t>
                       </a:r>
                       <a:r>
                         <a:rPr lang="ko-KR" altLang="en-US" sz="1400" b="0" dirty="0">
@@ -8824,7 +8742,23 @@
                             <a:sysClr val="windowText" lastClr="000000"/>
                           </a:solidFill>
                         </a:rPr>
-                        <a:t>' + '</a:t>
+                        <a:t>' </a:t>
+                      </a:r>
+                      <a:r>
+                        <a:rPr lang="en-US" altLang="ko-KR" sz="1400" b="0" dirty="0">
+                          <a:solidFill>
+                            <a:srgbClr val="FF0000"/>
+                          </a:solidFill>
+                        </a:rPr>
+                        <a:t>+</a:t>
+                      </a:r>
+                      <a:r>
+                        <a:rPr lang="en-US" altLang="ko-KR" sz="1400" b="0" dirty="0">
+                          <a:solidFill>
+                            <a:sysClr val="windowText" lastClr="000000"/>
+                          </a:solidFill>
+                        </a:rPr>
+                        <a:t> '</a:t>
                       </a:r>
                       <a:r>
                         <a:rPr lang="ko-KR" altLang="en-US" sz="1400" b="0" dirty="0">
@@ -8840,7 +8774,23 @@
                             <a:sysClr val="windowText" lastClr="000000"/>
                           </a:solidFill>
                         </a:rPr>
-                        <a:t>' + '</a:t>
+                        <a:t>' </a:t>
+                      </a:r>
+                      <a:r>
+                        <a:rPr lang="en-US" altLang="ko-KR" sz="1400" b="0" dirty="0">
+                          <a:solidFill>
+                            <a:srgbClr val="FF0000"/>
+                          </a:solidFill>
+                        </a:rPr>
+                        <a:t>+</a:t>
+                      </a:r>
+                      <a:r>
+                        <a:rPr lang="en-US" altLang="ko-KR" sz="1400" b="0" dirty="0">
+                          <a:solidFill>
+                            <a:sysClr val="windowText" lastClr="000000"/>
+                          </a:solidFill>
+                        </a:rPr>
+                        <a:t> '</a:t>
                       </a:r>
                       <a:r>
                         <a:rPr lang="ko-KR" altLang="en-US" sz="1400" b="0" dirty="0">
@@ -8950,10 +8900,16 @@
           <p:cNvGraphicFramePr>
             <a:graphicFrameLocks noGrp="1"/>
           </p:cNvGraphicFramePr>
-          <p:nvPr/>
+          <p:nvPr>
+            <p:extLst>
+              <p:ext uri="{D42A27DB-BD31-4B8C-83A1-F6EECF244321}">
+                <p14:modId xmlns:p14="http://schemas.microsoft.com/office/powerpoint/2010/main" val="1658930463"/>
+              </p:ext>
+            </p:extLst>
+          </p:nvPr>
         </p:nvGraphicFramePr>
         <p:xfrm>
-          <a:off x="2094240" y="5038311"/>
+          <a:off x="2094241" y="5241471"/>
           <a:ext cx="5916247" cy="1371600"/>
         </p:xfrm>
         <a:graphic>
@@ -9190,6 +9146,58 @@
           </a:graphicData>
         </a:graphic>
       </p:graphicFrame>
+      <p:sp>
+        <p:nvSpPr>
+          <p:cNvPr id="6" name="TextBox 5">
+            <a:extLst>
+              <a:ext uri="{FF2B5EF4-FFF2-40B4-BE49-F238E27FC236}">
+                <a16:creationId xmlns:a16="http://schemas.microsoft.com/office/drawing/2014/main" id="{56B24365-F577-3302-4D8C-A6C62CE00B5A}"/>
+              </a:ext>
+            </a:extLst>
+          </p:cNvPr>
+          <p:cNvSpPr txBox="1"/>
+          <p:nvPr/>
+        </p:nvSpPr>
+        <p:spPr>
+          <a:xfrm>
+            <a:off x="306647" y="319086"/>
+            <a:ext cx="5860110" cy="707886"/>
+          </a:xfrm>
+          <a:prstGeom prst="rect">
+            <a:avLst/>
+          </a:prstGeom>
+          <a:noFill/>
+        </p:spPr>
+        <p:txBody>
+          <a:bodyPr wrap="square">
+            <a:spAutoFit/>
+          </a:bodyPr>
+          <a:lstStyle/>
+          <a:p>
+            <a:r>
+              <a:rPr lang="ko-KR" altLang="en-US" sz="4000" dirty="0">
+                <a:latin typeface="KoPubWorld돋움체 Bold" panose="00000800000000000000" pitchFamily="2" charset="-127"/>
+                <a:ea typeface="KoPubWorld돋움체 Bold" panose="00000800000000000000" pitchFamily="2" charset="-127"/>
+                <a:cs typeface="KoPubWorld돋움체 Bold" panose="00000800000000000000" pitchFamily="2" charset="-127"/>
+              </a:rPr>
+              <a:t>문자열 자료형</a:t>
+            </a:r>
+            <a:r>
+              <a:rPr lang="en-US" altLang="ko-KR" sz="4000" dirty="0">
+                <a:latin typeface="KoPubWorld돋움체 Bold" panose="00000800000000000000" pitchFamily="2" charset="-127"/>
+                <a:ea typeface="KoPubWorld돋움체 Bold" panose="00000800000000000000" pitchFamily="2" charset="-127"/>
+                <a:cs typeface="KoPubWorld돋움체 Bold" panose="00000800000000000000" pitchFamily="2" charset="-127"/>
+              </a:rPr>
+              <a:t>(string)</a:t>
+            </a:r>
+            <a:endParaRPr lang="ko-KR" altLang="en-US" sz="4000" dirty="0">
+              <a:latin typeface="KoPubWorld돋움체 Bold" panose="00000800000000000000" pitchFamily="2" charset="-127"/>
+              <a:ea typeface="KoPubWorld돋움체 Bold" panose="00000800000000000000" pitchFamily="2" charset="-127"/>
+              <a:cs typeface="KoPubWorld돋움체 Bold" panose="00000800000000000000" pitchFamily="2" charset="-127"/>
+            </a:endParaRPr>
+          </a:p>
+        </p:txBody>
+      </p:sp>
     </p:spTree>
     <p:extLst>
       <p:ext uri="{BB962C8B-B14F-4D97-AF65-F5344CB8AC3E}">
@@ -9220,58 +9228,6 @@
           <a:chExt cx="0" cy="0"/>
         </a:xfrm>
       </p:grpSpPr>
-      <p:sp>
-        <p:nvSpPr>
-          <p:cNvPr id="4" name="TextBox 3">
-            <a:extLst>
-              <a:ext uri="{FF2B5EF4-FFF2-40B4-BE49-F238E27FC236}">
-                <a16:creationId xmlns:a16="http://schemas.microsoft.com/office/drawing/2014/main" id="{AE198254-4CD6-B88B-42C3-E57D575F22A0}"/>
-              </a:ext>
-            </a:extLst>
-          </p:cNvPr>
-          <p:cNvSpPr txBox="1"/>
-          <p:nvPr/>
-        </p:nvSpPr>
-        <p:spPr>
-          <a:xfrm>
-            <a:off x="306647" y="319086"/>
-            <a:ext cx="6377181" cy="707886"/>
-          </a:xfrm>
-          <a:prstGeom prst="rect">
-            <a:avLst/>
-          </a:prstGeom>
-          <a:noFill/>
-        </p:spPr>
-        <p:txBody>
-          <a:bodyPr wrap="square">
-            <a:spAutoFit/>
-          </a:bodyPr>
-          <a:lstStyle/>
-          <a:p>
-            <a:r>
-              <a:rPr lang="ko-KR" altLang="en-US" sz="4000" dirty="0">
-                <a:latin typeface="KoPubWorld돋움체 Bold" panose="00000800000000000000" pitchFamily="2" charset="-127"/>
-                <a:ea typeface="KoPubWorld돋움체 Bold" panose="00000800000000000000" pitchFamily="2" charset="-127"/>
-                <a:cs typeface="KoPubWorld돋움체 Bold" panose="00000800000000000000" pitchFamily="2" charset="-127"/>
-              </a:rPr>
-              <a:t>기본 자료형</a:t>
-            </a:r>
-            <a:r>
-              <a:rPr lang="en-US" altLang="ko-KR" sz="4000" dirty="0">
-                <a:latin typeface="KoPubWorld돋움체 Bold" panose="00000800000000000000" pitchFamily="2" charset="-127"/>
-                <a:ea typeface="KoPubWorld돋움체 Bold" panose="00000800000000000000" pitchFamily="2" charset="-127"/>
-                <a:cs typeface="KoPubWorld돋움체 Bold" panose="00000800000000000000" pitchFamily="2" charset="-127"/>
-              </a:rPr>
-              <a:t>(3)</a:t>
-            </a:r>
-            <a:endParaRPr lang="ko-KR" altLang="en-US" sz="4000" dirty="0">
-              <a:latin typeface="KoPubWorld돋움체 Bold" panose="00000800000000000000" pitchFamily="2" charset="-127"/>
-              <a:ea typeface="KoPubWorld돋움체 Bold" panose="00000800000000000000" pitchFamily="2" charset="-127"/>
-              <a:cs typeface="KoPubWorld돋움체 Bold" panose="00000800000000000000" pitchFamily="2" charset="-127"/>
-            </a:endParaRPr>
-          </a:p>
-        </p:txBody>
-      </p:sp>
       <p:sp>
         <p:nvSpPr>
           <p:cNvPr id="2" name="텍스트 개체 틀 8">
@@ -9899,6 +9855,58 @@
           </a:prstGeom>
         </p:spPr>
       </p:pic>
+      <p:sp>
+        <p:nvSpPr>
+          <p:cNvPr id="8" name="TextBox 7">
+            <a:extLst>
+              <a:ext uri="{FF2B5EF4-FFF2-40B4-BE49-F238E27FC236}">
+                <a16:creationId xmlns:a16="http://schemas.microsoft.com/office/drawing/2014/main" id="{1FEBB36F-9B58-F048-E2D4-AFBFFA15B20E}"/>
+              </a:ext>
+            </a:extLst>
+          </p:cNvPr>
+          <p:cNvSpPr txBox="1"/>
+          <p:nvPr/>
+        </p:nvSpPr>
+        <p:spPr>
+          <a:xfrm>
+            <a:off x="306647" y="319086"/>
+            <a:ext cx="5860110" cy="707886"/>
+          </a:xfrm>
+          <a:prstGeom prst="rect">
+            <a:avLst/>
+          </a:prstGeom>
+          <a:noFill/>
+        </p:spPr>
+        <p:txBody>
+          <a:bodyPr wrap="square">
+            <a:spAutoFit/>
+          </a:bodyPr>
+          <a:lstStyle/>
+          <a:p>
+            <a:r>
+              <a:rPr lang="ko-KR" altLang="en-US" sz="4000" dirty="0">
+                <a:latin typeface="KoPubWorld돋움체 Bold" panose="00000800000000000000" pitchFamily="2" charset="-127"/>
+                <a:ea typeface="KoPubWorld돋움체 Bold" panose="00000800000000000000" pitchFamily="2" charset="-127"/>
+                <a:cs typeface="KoPubWorld돋움체 Bold" panose="00000800000000000000" pitchFamily="2" charset="-127"/>
+              </a:rPr>
+              <a:t>문자열 자료형</a:t>
+            </a:r>
+            <a:r>
+              <a:rPr lang="en-US" altLang="ko-KR" sz="4000" dirty="0">
+                <a:latin typeface="KoPubWorld돋움체 Bold" panose="00000800000000000000" pitchFamily="2" charset="-127"/>
+                <a:ea typeface="KoPubWorld돋움체 Bold" panose="00000800000000000000" pitchFamily="2" charset="-127"/>
+                <a:cs typeface="KoPubWorld돋움체 Bold" panose="00000800000000000000" pitchFamily="2" charset="-127"/>
+              </a:rPr>
+              <a:t>(string)</a:t>
+            </a:r>
+            <a:endParaRPr lang="ko-KR" altLang="en-US" sz="4000" dirty="0">
+              <a:latin typeface="KoPubWorld돋움체 Bold" panose="00000800000000000000" pitchFamily="2" charset="-127"/>
+              <a:ea typeface="KoPubWorld돋움체 Bold" panose="00000800000000000000" pitchFamily="2" charset="-127"/>
+              <a:cs typeface="KoPubWorld돋움체 Bold" panose="00000800000000000000" pitchFamily="2" charset="-127"/>
+            </a:endParaRPr>
+          </a:p>
+        </p:txBody>
+      </p:sp>
     </p:spTree>
     <p:extLst>
       <p:ext uri="{BB962C8B-B14F-4D97-AF65-F5344CB8AC3E}">
@@ -11847,8 +11855,8 @@
         </p:nvSpPr>
         <p:spPr>
           <a:xfrm>
-            <a:off x="2517729" y="5368689"/>
-            <a:ext cx="8072437" cy="338554"/>
+            <a:off x="2037669" y="5145528"/>
+            <a:ext cx="6839630" cy="338554"/>
           </a:xfrm>
           <a:prstGeom prst="rect">
             <a:avLst/>
@@ -11862,7 +11870,7 @@
           <a:lstStyle/>
           <a:p>
             <a:r>
-              <a:rPr lang="ko-KR" altLang="en-US" sz="1600" kern="0">
+              <a:rPr lang="ko-KR" altLang="en-US" sz="1600" kern="0" dirty="0">
                 <a:solidFill>
                   <a:schemeClr val="accent1"/>
                 </a:solidFill>
@@ -11871,7 +11879,7 @@
               <a:t>변수 부분만 </a:t>
             </a:r>
             <a:r>
-              <a:rPr lang="en-US" altLang="ko-KR" sz="1600" kern="0">
+              <a:rPr lang="en-US" altLang="ko-KR" sz="1600" kern="0" dirty="0">
                 <a:solidFill>
                   <a:schemeClr val="accent1"/>
                 </a:solidFill>
@@ -11880,7 +11888,7 @@
               <a:t>${ }</a:t>
             </a:r>
             <a:r>
-              <a:rPr lang="ko-KR" altLang="en-US" sz="1600" kern="0">
+              <a:rPr lang="ko-KR" altLang="en-US" sz="1600" kern="0" dirty="0">
                 <a:solidFill>
                   <a:schemeClr val="accent1"/>
                 </a:solidFill>
@@ -11888,7 +11896,7 @@
               </a:rPr>
               <a:t>로 묶어주고 원하는 결과 문자열을 그대로 사용하면 됨</a:t>
             </a:r>
-            <a:endParaRPr lang="ko-Kore-KR" altLang="en-US" sz="1600">
+            <a:endParaRPr lang="ko-Kore-KR" altLang="en-US" sz="1600" dirty="0">
               <a:solidFill>
                 <a:schemeClr val="accent1"/>
               </a:solidFill>
@@ -11905,13 +11913,17 @@
               </a:ext>
             </a:extLst>
           </p:cNvPr>
-          <p:cNvCxnSpPr/>
+          <p:cNvCxnSpPr>
+            <a:cxnSpLocks/>
+            <a:stCxn id="5" idx="0"/>
+            <a:endCxn id="3" idx="2"/>
+          </p:cNvCxnSpPr>
           <p:nvPr/>
         </p:nvCxnSpPr>
         <p:spPr>
-          <a:xfrm flipH="1" flipV="1">
-            <a:off x="4029347" y="4844933"/>
-            <a:ext cx="171450" cy="415588"/>
+          <a:xfrm flipV="1">
+            <a:off x="5457484" y="4844933"/>
+            <a:ext cx="36808" cy="300595"/>
           </a:xfrm>
           <a:prstGeom prst="straightConnector1">
             <a:avLst/>
@@ -11987,6 +11999,36 @@
           </a:p>
         </p:txBody>
       </p:sp>
+      <p:pic>
+        <p:nvPicPr>
+          <p:cNvPr id="8" name="그림 7">
+            <a:extLst>
+              <a:ext uri="{FF2B5EF4-FFF2-40B4-BE49-F238E27FC236}">
+                <a16:creationId xmlns:a16="http://schemas.microsoft.com/office/drawing/2014/main" id="{AA7FAC18-D151-204A-EB1F-7BD4FA0B7AD7}"/>
+              </a:ext>
+            </a:extLst>
+          </p:cNvPr>
+          <p:cNvPicPr>
+            <a:picLocks noChangeAspect="1"/>
+          </p:cNvPicPr>
+          <p:nvPr/>
+        </p:nvPicPr>
+        <p:blipFill>
+          <a:blip r:embed="rId2"/>
+          <a:stretch>
+            <a:fillRect/>
+          </a:stretch>
+        </p:blipFill>
+        <p:spPr>
+          <a:xfrm>
+            <a:off x="5203371" y="5662411"/>
+            <a:ext cx="6839630" cy="1054073"/>
+          </a:xfrm>
+          <a:prstGeom prst="rect">
+            <a:avLst/>
+          </a:prstGeom>
+        </p:spPr>
+      </p:pic>
     </p:spTree>
     <p:extLst>
       <p:ext uri="{BB962C8B-B14F-4D97-AF65-F5344CB8AC3E}">
@@ -12458,10 +12500,16 @@
           <p:cNvGraphicFramePr>
             <a:graphicFrameLocks noGrp="1"/>
           </p:cNvGraphicFramePr>
-          <p:nvPr/>
+          <p:nvPr>
+            <p:extLst>
+              <p:ext uri="{D42A27DB-BD31-4B8C-83A1-F6EECF244321}">
+                <p14:modId xmlns:p14="http://schemas.microsoft.com/office/powerpoint/2010/main" val="34570835"/>
+              </p:ext>
+            </p:extLst>
+          </p:nvPr>
         </p:nvGraphicFramePr>
         <p:xfrm>
-          <a:off x="1779587" y="2141243"/>
+          <a:off x="1540101" y="2424871"/>
           <a:ext cx="6523979" cy="579120"/>
         </p:xfrm>
         <a:graphic>
@@ -12666,10 +12714,16 @@
           <p:cNvGraphicFramePr>
             <a:graphicFrameLocks noGrp="1"/>
           </p:cNvGraphicFramePr>
-          <p:nvPr/>
+          <p:nvPr>
+            <p:extLst>
+              <p:ext uri="{D42A27DB-BD31-4B8C-83A1-F6EECF244321}">
+                <p14:modId xmlns:p14="http://schemas.microsoft.com/office/powerpoint/2010/main" val="2762881887"/>
+              </p:ext>
+            </p:extLst>
+          </p:nvPr>
         </p:nvGraphicFramePr>
         <p:xfrm>
-          <a:off x="1779588" y="4171185"/>
+          <a:off x="1474788" y="4496754"/>
           <a:ext cx="1694072" cy="2042160"/>
         </p:xfrm>
         <a:graphic>
@@ -12846,7 +12900,7 @@
         </p:nvSpPr>
         <p:spPr>
           <a:xfrm>
-            <a:off x="4637960" y="4420219"/>
+            <a:off x="4333160" y="4745788"/>
             <a:ext cx="6719224" cy="307777"/>
           </a:xfrm>
           <a:prstGeom prst="rect">
@@ -12893,7 +12947,7 @@
         </p:nvSpPr>
         <p:spPr>
           <a:xfrm>
-            <a:off x="4681136" y="4908855"/>
+            <a:off x="4376336" y="5234424"/>
             <a:ext cx="6107722" cy="307777"/>
           </a:xfrm>
           <a:prstGeom prst="rect">
@@ -12993,7 +13047,7 @@
         </p:nvSpPr>
         <p:spPr>
           <a:xfrm>
-            <a:off x="4681136" y="5416932"/>
+            <a:off x="4376336" y="5742501"/>
             <a:ext cx="6828692" cy="307777"/>
           </a:xfrm>
           <a:prstGeom prst="rect">
@@ -13085,7 +13139,7 @@
         </p:nvSpPr>
         <p:spPr>
           <a:xfrm>
-            <a:off x="4681136" y="5905568"/>
+            <a:off x="4376336" y="6231137"/>
             <a:ext cx="6828692" cy="307777"/>
           </a:xfrm>
           <a:prstGeom prst="rect">
@@ -13187,7 +13241,7 @@
         </p:nvCxnSpPr>
         <p:spPr>
           <a:xfrm flipH="1">
-            <a:off x="2959354" y="4576187"/>
+            <a:off x="2654554" y="4901756"/>
             <a:ext cx="1463874" cy="0"/>
           </a:xfrm>
           <a:prstGeom prst="straightConnector1">
@@ -13232,7 +13286,7 @@
         </p:nvCxnSpPr>
         <p:spPr>
           <a:xfrm flipH="1">
-            <a:off x="2959354" y="5068557"/>
+            <a:off x="2654554" y="5394126"/>
             <a:ext cx="1440428" cy="11722"/>
           </a:xfrm>
           <a:prstGeom prst="straightConnector1">
@@ -13277,7 +13331,7 @@
         </p:nvCxnSpPr>
         <p:spPr>
           <a:xfrm flipH="1">
-            <a:off x="2959354" y="5572649"/>
+            <a:off x="2654554" y="5898218"/>
             <a:ext cx="1463874" cy="0"/>
           </a:xfrm>
           <a:prstGeom prst="straightConnector1">
@@ -13322,7 +13376,7 @@
         </p:nvCxnSpPr>
         <p:spPr>
           <a:xfrm flipH="1">
-            <a:off x="2959354" y="6053295"/>
+            <a:off x="2654554" y="6378864"/>
             <a:ext cx="1463874" cy="0"/>
           </a:xfrm>
           <a:prstGeom prst="straightConnector1">
@@ -13365,6 +13419,851 @@
 </file>
 
 <file path=ppt/slides/slide23.xml><?xml version="1.0" encoding="utf-8"?>
+<p:sld xmlns:a="http://schemas.openxmlformats.org/drawingml/2006/main" xmlns:r="http://schemas.openxmlformats.org/officeDocument/2006/relationships" xmlns:p="http://schemas.openxmlformats.org/presentationml/2006/main">
+  <p:cSld>
+    <p:spTree>
+      <p:nvGrpSpPr>
+        <p:cNvPr id="1" name=""/>
+        <p:cNvGrpSpPr/>
+        <p:nvPr/>
+      </p:nvGrpSpPr>
+      <p:grpSpPr>
+        <a:xfrm>
+          <a:off x="0" y="0"/>
+          <a:ext cx="0" cy="0"/>
+          <a:chOff x="0" y="0"/>
+          <a:chExt cx="0" cy="0"/>
+        </a:xfrm>
+      </p:grpSpPr>
+      <p:sp>
+        <p:nvSpPr>
+          <p:cNvPr id="2" name="텍스트 개체 틀 8">
+            <a:extLst>
+              <a:ext uri="{FF2B5EF4-FFF2-40B4-BE49-F238E27FC236}">
+                <a16:creationId xmlns:a16="http://schemas.microsoft.com/office/drawing/2014/main" id="{7A714868-F34D-EE70-52B3-03DBFAF6C214}"/>
+              </a:ext>
+            </a:extLst>
+          </p:cNvPr>
+          <p:cNvSpPr txBox="1">
+            <a:spLocks/>
+          </p:cNvSpPr>
+          <p:nvPr/>
+        </p:nvSpPr>
+        <p:spPr>
+          <a:xfrm>
+            <a:off x="410815" y="1244994"/>
+            <a:ext cx="7862328" cy="3795092"/>
+          </a:xfrm>
+          <a:prstGeom prst="rect">
+            <a:avLst/>
+          </a:prstGeom>
+        </p:spPr>
+        <p:txBody>
+          <a:bodyPr>
+            <a:normAutofit/>
+          </a:bodyPr>
+          <a:lstStyle>
+            <a:lvl1pPr marL="228600" indent="-228600" algn="l" defTabSz="914400" rtl="0" eaLnBrk="1" latinLnBrk="1" hangingPunct="1">
+              <a:lnSpc>
+                <a:spcPct val="90000"/>
+              </a:lnSpc>
+              <a:spcBef>
+                <a:spcPts val="1000"/>
+              </a:spcBef>
+              <a:buFont typeface="Arial" panose="020B0604020202020204" pitchFamily="34" charset="0"/>
+              <a:buChar char="•"/>
+              <a:defRPr sz="2800" kern="1200">
+                <a:solidFill>
+                  <a:schemeClr val="tx1"/>
+                </a:solidFill>
+                <a:latin typeface="+mn-lt"/>
+                <a:ea typeface="+mn-ea"/>
+                <a:cs typeface="+mn-cs"/>
+              </a:defRPr>
+            </a:lvl1pPr>
+            <a:lvl2pPr marL="685800" indent="-228600" algn="l" defTabSz="914400" rtl="0" eaLnBrk="1" latinLnBrk="1" hangingPunct="1">
+              <a:lnSpc>
+                <a:spcPct val="90000"/>
+              </a:lnSpc>
+              <a:spcBef>
+                <a:spcPts val="500"/>
+              </a:spcBef>
+              <a:buFont typeface="Arial" panose="020B0604020202020204" pitchFamily="34" charset="0"/>
+              <a:buChar char="•"/>
+              <a:defRPr sz="2400" kern="1200">
+                <a:solidFill>
+                  <a:schemeClr val="tx1"/>
+                </a:solidFill>
+                <a:latin typeface="+mn-lt"/>
+                <a:ea typeface="+mn-ea"/>
+                <a:cs typeface="+mn-cs"/>
+              </a:defRPr>
+            </a:lvl2pPr>
+            <a:lvl3pPr marL="1143000" indent="-228600" algn="l" defTabSz="914400" rtl="0" eaLnBrk="1" latinLnBrk="1" hangingPunct="1">
+              <a:lnSpc>
+                <a:spcPct val="90000"/>
+              </a:lnSpc>
+              <a:spcBef>
+                <a:spcPts val="500"/>
+              </a:spcBef>
+              <a:buFont typeface="Arial" panose="020B0604020202020204" pitchFamily="34" charset="0"/>
+              <a:buChar char="•"/>
+              <a:defRPr sz="2000" kern="1200">
+                <a:solidFill>
+                  <a:schemeClr val="tx1"/>
+                </a:solidFill>
+                <a:latin typeface="+mn-lt"/>
+                <a:ea typeface="+mn-ea"/>
+                <a:cs typeface="+mn-cs"/>
+              </a:defRPr>
+            </a:lvl3pPr>
+            <a:lvl4pPr marL="1600200" indent="-228600" algn="l" defTabSz="914400" rtl="0" eaLnBrk="1" latinLnBrk="1" hangingPunct="1">
+              <a:lnSpc>
+                <a:spcPct val="90000"/>
+              </a:lnSpc>
+              <a:spcBef>
+                <a:spcPts val="500"/>
+              </a:spcBef>
+              <a:buFont typeface="Arial" panose="020B0604020202020204" pitchFamily="34" charset="0"/>
+              <a:buChar char="•"/>
+              <a:defRPr sz="1800" kern="1200">
+                <a:solidFill>
+                  <a:schemeClr val="tx1"/>
+                </a:solidFill>
+                <a:latin typeface="+mn-lt"/>
+                <a:ea typeface="+mn-ea"/>
+                <a:cs typeface="+mn-cs"/>
+              </a:defRPr>
+            </a:lvl4pPr>
+            <a:lvl5pPr marL="2057400" indent="-228600" algn="l" defTabSz="914400" rtl="0" eaLnBrk="1" latinLnBrk="1" hangingPunct="1">
+              <a:lnSpc>
+                <a:spcPct val="90000"/>
+              </a:lnSpc>
+              <a:spcBef>
+                <a:spcPts val="500"/>
+              </a:spcBef>
+              <a:buFont typeface="Arial" panose="020B0604020202020204" pitchFamily="34" charset="0"/>
+              <a:buChar char="•"/>
+              <a:defRPr sz="1800" kern="1200">
+                <a:solidFill>
+                  <a:schemeClr val="tx1"/>
+                </a:solidFill>
+                <a:latin typeface="+mn-lt"/>
+                <a:ea typeface="+mn-ea"/>
+                <a:cs typeface="+mn-cs"/>
+              </a:defRPr>
+            </a:lvl5pPr>
+            <a:lvl6pPr marL="2514600" indent="-228600" algn="l" defTabSz="914400" rtl="0" eaLnBrk="1" latinLnBrk="1" hangingPunct="1">
+              <a:lnSpc>
+                <a:spcPct val="90000"/>
+              </a:lnSpc>
+              <a:spcBef>
+                <a:spcPts val="500"/>
+              </a:spcBef>
+              <a:buFont typeface="Arial" panose="020B0604020202020204" pitchFamily="34" charset="0"/>
+              <a:buChar char="•"/>
+              <a:defRPr sz="1800" kern="1200">
+                <a:solidFill>
+                  <a:schemeClr val="tx1"/>
+                </a:solidFill>
+                <a:latin typeface="+mn-lt"/>
+                <a:ea typeface="+mn-ea"/>
+                <a:cs typeface="+mn-cs"/>
+              </a:defRPr>
+            </a:lvl6pPr>
+            <a:lvl7pPr marL="2971800" indent="-228600" algn="l" defTabSz="914400" rtl="0" eaLnBrk="1" latinLnBrk="1" hangingPunct="1">
+              <a:lnSpc>
+                <a:spcPct val="90000"/>
+              </a:lnSpc>
+              <a:spcBef>
+                <a:spcPts val="500"/>
+              </a:spcBef>
+              <a:buFont typeface="Arial" panose="020B0604020202020204" pitchFamily="34" charset="0"/>
+              <a:buChar char="•"/>
+              <a:defRPr sz="1800" kern="1200">
+                <a:solidFill>
+                  <a:schemeClr val="tx1"/>
+                </a:solidFill>
+                <a:latin typeface="+mn-lt"/>
+                <a:ea typeface="+mn-ea"/>
+                <a:cs typeface="+mn-cs"/>
+              </a:defRPr>
+            </a:lvl7pPr>
+            <a:lvl8pPr marL="3429000" indent="-228600" algn="l" defTabSz="914400" rtl="0" eaLnBrk="1" latinLnBrk="1" hangingPunct="1">
+              <a:lnSpc>
+                <a:spcPct val="90000"/>
+              </a:lnSpc>
+              <a:spcBef>
+                <a:spcPts val="500"/>
+              </a:spcBef>
+              <a:buFont typeface="Arial" panose="020B0604020202020204" pitchFamily="34" charset="0"/>
+              <a:buChar char="•"/>
+              <a:defRPr sz="1800" kern="1200">
+                <a:solidFill>
+                  <a:schemeClr val="tx1"/>
+                </a:solidFill>
+                <a:latin typeface="+mn-lt"/>
+                <a:ea typeface="+mn-ea"/>
+                <a:cs typeface="+mn-cs"/>
+              </a:defRPr>
+            </a:lvl8pPr>
+            <a:lvl9pPr marL="3886200" indent="-228600" algn="l" defTabSz="914400" rtl="0" eaLnBrk="1" latinLnBrk="1" hangingPunct="1">
+              <a:lnSpc>
+                <a:spcPct val="90000"/>
+              </a:lnSpc>
+              <a:spcBef>
+                <a:spcPts val="500"/>
+              </a:spcBef>
+              <a:buFont typeface="Arial" panose="020B0604020202020204" pitchFamily="34" charset="0"/>
+              <a:buChar char="•"/>
+              <a:defRPr sz="1800" kern="1200">
+                <a:solidFill>
+                  <a:schemeClr val="tx1"/>
+                </a:solidFill>
+                <a:latin typeface="+mn-lt"/>
+                <a:ea typeface="+mn-ea"/>
+                <a:cs typeface="+mn-cs"/>
+              </a:defRPr>
+            </a:lvl9pPr>
+          </a:lstStyle>
+          <a:p>
+            <a:r>
+              <a:rPr lang="ko-KR" altLang="en-US" dirty="0"/>
+              <a:t>문자열 입력</a:t>
+            </a:r>
+            <a:endParaRPr lang="en-US" altLang="ko-KR" dirty="0"/>
+          </a:p>
+          <a:p>
+            <a:pPr lvl="1"/>
+            <a:r>
+              <a:rPr lang="en-US" altLang="ko-KR" sz="1600" dirty="0">
+                <a:solidFill>
+                  <a:srgbClr val="000000"/>
+                </a:solidFill>
+                <a:latin typeface="+mn-ea"/>
+              </a:rPr>
+              <a:t>prompt(</a:t>
+            </a:r>
+            <a:r>
+              <a:rPr lang="ko-KR" altLang="en-US" sz="1600" dirty="0">
+                <a:solidFill>
+                  <a:srgbClr val="000000"/>
+                </a:solidFill>
+                <a:latin typeface="+mn-ea"/>
+              </a:rPr>
+              <a:t>메시지 문자열</a:t>
+            </a:r>
+            <a:r>
+              <a:rPr lang="en-US" altLang="ko-KR" sz="1600" dirty="0">
+                <a:solidFill>
+                  <a:srgbClr val="000000"/>
+                </a:solidFill>
+                <a:latin typeface="+mn-ea"/>
+              </a:rPr>
+              <a:t>, </a:t>
+            </a:r>
+            <a:r>
+              <a:rPr lang="ko-KR" altLang="en-US" sz="1600" dirty="0">
+                <a:solidFill>
+                  <a:srgbClr val="000000"/>
+                </a:solidFill>
+                <a:latin typeface="+mn-ea"/>
+              </a:rPr>
+              <a:t>기본 입력 문자열</a:t>
+            </a:r>
+            <a:r>
+              <a:rPr lang="en-US" altLang="ko-KR" sz="1600" dirty="0">
+                <a:solidFill>
+                  <a:srgbClr val="000000"/>
+                </a:solidFill>
+                <a:latin typeface="+mn-ea"/>
+              </a:rPr>
+              <a:t>)</a:t>
+            </a:r>
+          </a:p>
+          <a:p>
+            <a:pPr lvl="1"/>
+            <a:r>
+              <a:rPr lang="en-US" altLang="ko-KR" sz="1600" dirty="0">
+                <a:latin typeface="+mn-ea"/>
+              </a:rPr>
+              <a:t>prompt() </a:t>
+            </a:r>
+            <a:r>
+              <a:rPr lang="ko-KR" altLang="en-US" sz="1600" dirty="0">
+                <a:latin typeface="+mn-ea"/>
+              </a:rPr>
+              <a:t>함수 매개변수의 역할 </a:t>
+            </a:r>
+            <a:r>
+              <a:rPr lang="en-US" altLang="ko-KR" sz="1600" dirty="0">
+                <a:latin typeface="+mn-ea"/>
+              </a:rPr>
+              <a:t>(</a:t>
+            </a:r>
+            <a:r>
+              <a:rPr lang="ko-KR" altLang="en-US" sz="1600" dirty="0">
+                <a:latin typeface="+mn-ea"/>
+              </a:rPr>
+              <a:t>소스 코드 </a:t>
+            </a:r>
+            <a:r>
+              <a:rPr lang="en-US" altLang="ko-KR" sz="1600" dirty="0">
+                <a:latin typeface="+mn-ea"/>
+              </a:rPr>
+              <a:t>2-3-1.html </a:t>
+            </a:r>
+            <a:r>
+              <a:rPr lang="ko-KR" altLang="en-US" sz="1600" dirty="0">
+                <a:latin typeface="+mn-ea"/>
+              </a:rPr>
+              <a:t>참조</a:t>
+            </a:r>
+            <a:r>
+              <a:rPr lang="en-US" altLang="ko-KR" sz="1600" dirty="0">
+                <a:latin typeface="+mn-ea"/>
+              </a:rPr>
+              <a:t>)</a:t>
+            </a:r>
+          </a:p>
+          <a:p>
+            <a:pPr lvl="1"/>
+            <a:endParaRPr lang="en-US" altLang="ko-KR" sz="1600" dirty="0">
+              <a:latin typeface="+mn-ea"/>
+            </a:endParaRPr>
+          </a:p>
+          <a:p>
+            <a:pPr lvl="1"/>
+            <a:endParaRPr lang="en-US" altLang="ko-KR" sz="1600" dirty="0">
+              <a:latin typeface="+mn-ea"/>
+            </a:endParaRPr>
+          </a:p>
+          <a:p>
+            <a:pPr lvl="1"/>
+            <a:endParaRPr lang="en-US" altLang="ko-KR" sz="1600" dirty="0">
+              <a:latin typeface="+mn-ea"/>
+            </a:endParaRPr>
+          </a:p>
+          <a:p>
+            <a:pPr lvl="1"/>
+            <a:endParaRPr lang="en-US" altLang="ko-KR" sz="1600" dirty="0">
+              <a:latin typeface="+mn-ea"/>
+            </a:endParaRPr>
+          </a:p>
+          <a:p>
+            <a:pPr lvl="1"/>
+            <a:endParaRPr lang="en-US" altLang="ko-KR" sz="1600" dirty="0">
+              <a:latin typeface="+mn-ea"/>
+            </a:endParaRPr>
+          </a:p>
+          <a:p>
+            <a:pPr lvl="1"/>
+            <a:endParaRPr lang="en-US" altLang="ko-KR" sz="1600" dirty="0">
+              <a:latin typeface="+mn-ea"/>
+            </a:endParaRPr>
+          </a:p>
+          <a:p>
+            <a:pPr lvl="1"/>
+            <a:endParaRPr lang="en-US" altLang="ko-KR" sz="1600" dirty="0">
+              <a:latin typeface="+mn-ea"/>
+            </a:endParaRPr>
+          </a:p>
+          <a:p>
+            <a:pPr lvl="1"/>
+            <a:endParaRPr lang="en-US" altLang="ko-KR" sz="1600" dirty="0">
+              <a:latin typeface="+mn-ea"/>
+            </a:endParaRPr>
+          </a:p>
+          <a:p>
+            <a:pPr lvl="1"/>
+            <a:r>
+              <a:rPr lang="ko-KR" altLang="en-US" sz="1600" dirty="0">
+                <a:latin typeface="+mn-ea"/>
+              </a:rPr>
+              <a:t>리턴</a:t>
+            </a:r>
+            <a:r>
+              <a:rPr lang="en-US" altLang="ko-KR" sz="1600" dirty="0">
+                <a:latin typeface="+mn-ea"/>
+              </a:rPr>
+              <a:t>(return): </a:t>
+            </a:r>
+            <a:r>
+              <a:rPr lang="ko-KR" altLang="en-US" sz="1600" dirty="0">
+                <a:latin typeface="+mn-ea"/>
+              </a:rPr>
+              <a:t>함수를 실행한 후 값을 남기는 것</a:t>
+            </a:r>
+            <a:r>
+              <a:rPr lang="en-US" altLang="ko-KR" sz="1600" dirty="0">
+                <a:latin typeface="+mn-ea"/>
+              </a:rPr>
+              <a:t>(Chapter 5</a:t>
+            </a:r>
+            <a:r>
+              <a:rPr lang="ko-KR" altLang="en-US" sz="1600" dirty="0">
+                <a:latin typeface="+mn-ea"/>
+              </a:rPr>
+              <a:t>에서 학습</a:t>
+            </a:r>
+            <a:r>
+              <a:rPr lang="en-US" altLang="ko-KR" sz="1600" dirty="0">
+                <a:latin typeface="+mn-ea"/>
+              </a:rPr>
+              <a:t>)</a:t>
+            </a:r>
+          </a:p>
+        </p:txBody>
+      </p:sp>
+      <p:graphicFrame>
+        <p:nvGraphicFramePr>
+          <p:cNvPr id="3" name="Table 4">
+            <a:extLst>
+              <a:ext uri="{FF2B5EF4-FFF2-40B4-BE49-F238E27FC236}">
+                <a16:creationId xmlns:a16="http://schemas.microsoft.com/office/drawing/2014/main" id="{237F37A8-E3E6-D19A-34CB-503F613DF51D}"/>
+              </a:ext>
+            </a:extLst>
+          </p:cNvPr>
+          <p:cNvGraphicFramePr>
+            <a:graphicFrameLocks noGrp="1"/>
+          </p:cNvGraphicFramePr>
+          <p:nvPr/>
+        </p:nvGraphicFramePr>
+        <p:xfrm>
+          <a:off x="1955800" y="2502434"/>
+          <a:ext cx="4316413" cy="1798320"/>
+        </p:xfrm>
+        <a:graphic>
+          <a:graphicData uri="http://schemas.openxmlformats.org/drawingml/2006/table">
+            <a:tbl>
+              <a:tblPr firstRow="1" bandRow="1">
+                <a:tableStyleId>{5C22544A-7EE6-4342-B048-85BDC9FD1C3A}</a:tableStyleId>
+              </a:tblPr>
+              <a:tblGrid>
+                <a:gridCol w="4316413">
+                  <a:extLst>
+                    <a:ext uri="{9D8B030D-6E8A-4147-A177-3AD203B41FA5}">
+                      <a16:colId xmlns:a16="http://schemas.microsoft.com/office/drawing/2014/main" val="861803730"/>
+                    </a:ext>
+                  </a:extLst>
+                </a:gridCol>
+              </a:tblGrid>
+              <a:tr h="370840">
+                <a:tc>
+                  <a:txBody>
+                    <a:bodyPr/>
+                    <a:lstStyle/>
+                    <a:p>
+                      <a:pPr latinLnBrk="1"/>
+                      <a:r>
+                        <a:rPr lang="en-US" altLang="ko-KR" sz="1600" b="0" dirty="0">
+                          <a:solidFill>
+                            <a:sysClr val="windowText" lastClr="000000"/>
+                          </a:solidFill>
+                        </a:rPr>
+                        <a:t>01 &lt;script&gt;</a:t>
+                      </a:r>
+                    </a:p>
+                    <a:p>
+                      <a:pPr latinLnBrk="1"/>
+                      <a:r>
+                        <a:rPr lang="en-US" altLang="ko-KR" sz="1600" b="0" dirty="0">
+                          <a:solidFill>
+                            <a:sysClr val="windowText" lastClr="000000"/>
+                          </a:solidFill>
+                        </a:rPr>
+                        <a:t>02   // </a:t>
+                      </a:r>
+                      <a:r>
+                        <a:rPr lang="ko-KR" altLang="en-US" sz="1600" b="0" dirty="0">
+                          <a:solidFill>
+                            <a:sysClr val="windowText" lastClr="000000"/>
+                          </a:solidFill>
+                        </a:rPr>
+                        <a:t>상수를 선언합니다</a:t>
+                      </a:r>
+                      <a:r>
+                        <a:rPr lang="en-US" altLang="ko-KR" sz="1600" b="0" dirty="0">
+                          <a:solidFill>
+                            <a:sysClr val="windowText" lastClr="000000"/>
+                          </a:solidFill>
+                        </a:rPr>
+                        <a:t>.</a:t>
+                      </a:r>
+                    </a:p>
+                    <a:p>
+                      <a:pPr latinLnBrk="1"/>
+                      <a:r>
+                        <a:rPr lang="en-US" altLang="ko-KR" sz="1600" b="0" dirty="0">
+                          <a:solidFill>
+                            <a:sysClr val="windowText" lastClr="000000"/>
+                          </a:solidFill>
+                        </a:rPr>
+                        <a:t>03   </a:t>
+                      </a:r>
+                      <a:r>
+                        <a:rPr lang="en-US" altLang="ko-KR" sz="1600" b="0" dirty="0" err="1">
+                          <a:solidFill>
+                            <a:sysClr val="windowText" lastClr="000000"/>
+                          </a:solidFill>
+                        </a:rPr>
+                        <a:t>const</a:t>
+                      </a:r>
+                      <a:r>
+                        <a:rPr lang="en-US" altLang="ko-KR" sz="1600" b="0" dirty="0">
+                          <a:solidFill>
+                            <a:sysClr val="windowText" lastClr="000000"/>
+                          </a:solidFill>
+                        </a:rPr>
+                        <a:t> input = prompt('message', '_default')</a:t>
+                      </a:r>
+                    </a:p>
+                    <a:p>
+                      <a:pPr latinLnBrk="1"/>
+                      <a:r>
+                        <a:rPr lang="en-US" altLang="ko-KR" sz="1600" b="0" dirty="0">
+                          <a:solidFill>
+                            <a:sysClr val="windowText" lastClr="000000"/>
+                          </a:solidFill>
+                        </a:rPr>
+                        <a:t>04   // </a:t>
+                      </a:r>
+                      <a:r>
+                        <a:rPr lang="ko-KR" altLang="en-US" sz="1600" b="0" dirty="0">
+                          <a:solidFill>
+                            <a:sysClr val="windowText" lastClr="000000"/>
+                          </a:solidFill>
+                        </a:rPr>
+                        <a:t>출력합니다</a:t>
+                      </a:r>
+                      <a:r>
+                        <a:rPr lang="en-US" altLang="ko-KR" sz="1600" b="0" dirty="0">
+                          <a:solidFill>
+                            <a:sysClr val="windowText" lastClr="000000"/>
+                          </a:solidFill>
+                        </a:rPr>
+                        <a:t>.</a:t>
+                      </a:r>
+                    </a:p>
+                    <a:p>
+                      <a:pPr latinLnBrk="1"/>
+                      <a:r>
+                        <a:rPr lang="en-US" altLang="ko-KR" sz="1600" b="0" dirty="0">
+                          <a:solidFill>
+                            <a:sysClr val="windowText" lastClr="000000"/>
+                          </a:solidFill>
+                        </a:rPr>
+                        <a:t>05   alert(input)</a:t>
+                      </a:r>
+                    </a:p>
+                    <a:p>
+                      <a:pPr latinLnBrk="1"/>
+                      <a:r>
+                        <a:rPr lang="en-US" altLang="ko-KR" sz="1600" b="0" dirty="0">
+                          <a:solidFill>
+                            <a:sysClr val="windowText" lastClr="000000"/>
+                          </a:solidFill>
+                        </a:rPr>
+                        <a:t>06 &lt;/script&gt;</a:t>
+                      </a:r>
+                      <a:endParaRPr lang="ko-KR" altLang="en-US" sz="1600" b="0" dirty="0">
+                        <a:solidFill>
+                          <a:sysClr val="windowText" lastClr="000000"/>
+                        </a:solidFill>
+                      </a:endParaRPr>
+                    </a:p>
+                  </a:txBody>
+                  <a:tcPr>
+                    <a:lnL w="12700" cmpd="sng">
+                      <a:noFill/>
+                    </a:lnL>
+                    <a:lnR w="12700" cmpd="sng">
+                      <a:noFill/>
+                    </a:lnR>
+                    <a:lnT w="12700" cap="flat" cmpd="sng" algn="ctr">
+                      <a:solidFill>
+                        <a:schemeClr val="tx1"/>
+                      </a:solidFill>
+                      <a:prstDash val="solid"/>
+                      <a:round/>
+                      <a:headEnd type="none" w="med" len="med"/>
+                      <a:tailEnd type="none" w="med" len="med"/>
+                    </a:lnT>
+                    <a:lnB w="12700" cap="flat" cmpd="sng" algn="ctr">
+                      <a:solidFill>
+                        <a:schemeClr val="tx1"/>
+                      </a:solidFill>
+                      <a:prstDash val="solid"/>
+                      <a:round/>
+                      <a:headEnd type="none" w="med" len="med"/>
+                      <a:tailEnd type="none" w="med" len="med"/>
+                    </a:lnB>
+                    <a:lnTlToBr w="12700" cmpd="sng">
+                      <a:noFill/>
+                      <a:prstDash val="solid"/>
+                    </a:lnTlToBr>
+                    <a:lnBlToTr w="12700" cmpd="sng">
+                      <a:noFill/>
+                      <a:prstDash val="solid"/>
+                    </a:lnBlToTr>
+                    <a:noFill/>
+                  </a:tcPr>
+                </a:tc>
+                <a:extLst>
+                  <a:ext uri="{0D108BD9-81ED-4DB2-BD59-A6C34878D82A}">
+                    <a16:rowId xmlns:a16="http://schemas.microsoft.com/office/drawing/2014/main" val="2868720426"/>
+                  </a:ext>
+                </a:extLst>
+              </a:tr>
+            </a:tbl>
+          </a:graphicData>
+        </a:graphic>
+      </p:graphicFrame>
+      <p:sp>
+        <p:nvSpPr>
+          <p:cNvPr id="5" name="TextBox 4">
+            <a:extLst>
+              <a:ext uri="{FF2B5EF4-FFF2-40B4-BE49-F238E27FC236}">
+                <a16:creationId xmlns:a16="http://schemas.microsoft.com/office/drawing/2014/main" id="{0019D565-1239-87AC-FABD-4F71F2AFF14E}"/>
+              </a:ext>
+            </a:extLst>
+          </p:cNvPr>
+          <p:cNvSpPr txBox="1"/>
+          <p:nvPr/>
+        </p:nvSpPr>
+        <p:spPr>
+          <a:xfrm>
+            <a:off x="6350691" y="2939999"/>
+            <a:ext cx="5465279" cy="338554"/>
+          </a:xfrm>
+          <a:prstGeom prst="rect">
+            <a:avLst/>
+          </a:prstGeom>
+          <a:noFill/>
+        </p:spPr>
+        <p:txBody>
+          <a:bodyPr wrap="none" rtlCol="0">
+            <a:spAutoFit/>
+          </a:bodyPr>
+          <a:lstStyle/>
+          <a:p>
+            <a:r>
+              <a:rPr lang="en-US" altLang="ko-KR" sz="1600" dirty="0">
+                <a:solidFill>
+                  <a:srgbClr val="FF0000"/>
+                </a:solidFill>
+                <a:latin typeface="+mn-ea"/>
+              </a:rPr>
+              <a:t>prompt() </a:t>
+            </a:r>
+            <a:r>
+              <a:rPr lang="ko-KR" altLang="en-US" sz="1600" dirty="0">
+                <a:solidFill>
+                  <a:srgbClr val="FF0000"/>
+                </a:solidFill>
+                <a:latin typeface="+mn-ea"/>
+              </a:rPr>
+              <a:t>함수는 사용자로부터 내용을 입력받아서 사용</a:t>
+            </a:r>
+          </a:p>
+        </p:txBody>
+      </p:sp>
+      <p:sp>
+        <p:nvSpPr>
+          <p:cNvPr id="6" name="Oval 5">
+            <a:extLst>
+              <a:ext uri="{FF2B5EF4-FFF2-40B4-BE49-F238E27FC236}">
+                <a16:creationId xmlns:a16="http://schemas.microsoft.com/office/drawing/2014/main" id="{65F122DB-E7DD-B095-6274-29349E724627}"/>
+              </a:ext>
+            </a:extLst>
+          </p:cNvPr>
+          <p:cNvSpPr/>
+          <p:nvPr/>
+        </p:nvSpPr>
+        <p:spPr>
+          <a:xfrm>
+            <a:off x="2502408" y="3100343"/>
+            <a:ext cx="1011936" cy="256222"/>
+          </a:xfrm>
+          <a:prstGeom prst="ellipse">
+            <a:avLst/>
+          </a:prstGeom>
+          <a:noFill/>
+          <a:ln w="19050">
+            <a:solidFill>
+              <a:srgbClr val="FF0000"/>
+            </a:solidFill>
+            <a:prstDash val="sysDash"/>
+          </a:ln>
+        </p:spPr>
+        <p:style>
+          <a:lnRef idx="2">
+            <a:schemeClr val="accent2"/>
+          </a:lnRef>
+          <a:fillRef idx="1">
+            <a:schemeClr val="lt1"/>
+          </a:fillRef>
+          <a:effectRef idx="0">
+            <a:schemeClr val="accent2"/>
+          </a:effectRef>
+          <a:fontRef idx="minor">
+            <a:schemeClr val="dk1"/>
+          </a:fontRef>
+        </p:style>
+        <p:txBody>
+          <a:bodyPr rtlCol="0" anchor="ctr"/>
+          <a:lstStyle/>
+          <a:p>
+            <a:pPr algn="ctr"/>
+            <a:endParaRPr lang="ko-KR" altLang="en-US"/>
+          </a:p>
+        </p:txBody>
+      </p:sp>
+      <p:sp>
+        <p:nvSpPr>
+          <p:cNvPr id="7" name="Freeform: Shape 15">
+            <a:extLst>
+              <a:ext uri="{FF2B5EF4-FFF2-40B4-BE49-F238E27FC236}">
+                <a16:creationId xmlns:a16="http://schemas.microsoft.com/office/drawing/2014/main" id="{298B02C7-9C9B-3E4D-2296-E07F67325E41}"/>
+              </a:ext>
+            </a:extLst>
+          </p:cNvPr>
+          <p:cNvSpPr/>
+          <p:nvPr/>
+        </p:nvSpPr>
+        <p:spPr>
+          <a:xfrm>
+            <a:off x="3314700" y="2878673"/>
+            <a:ext cx="3009900" cy="269599"/>
+          </a:xfrm>
+          <a:custGeom>
+            <a:avLst/>
+            <a:gdLst>
+              <a:gd name="connsiteX0" fmla="*/ 0 w 3316224"/>
+              <a:gd name="connsiteY0" fmla="*/ 184255 h 269599"/>
+              <a:gd name="connsiteX1" fmla="*/ 2206752 w 3316224"/>
+              <a:gd name="connsiteY1" fmla="*/ 1375 h 269599"/>
+              <a:gd name="connsiteX2" fmla="*/ 3316224 w 3316224"/>
+              <a:gd name="connsiteY2" fmla="*/ 269599 h 269599"/>
+            </a:gdLst>
+            <a:ahLst/>
+            <a:cxnLst>
+              <a:cxn ang="0">
+                <a:pos x="connsiteX0" y="connsiteY0"/>
+              </a:cxn>
+              <a:cxn ang="0">
+                <a:pos x="connsiteX1" y="connsiteY1"/>
+              </a:cxn>
+              <a:cxn ang="0">
+                <a:pos x="connsiteX2" y="connsiteY2"/>
+              </a:cxn>
+            </a:cxnLst>
+            <a:rect l="l" t="t" r="r" b="b"/>
+            <a:pathLst>
+              <a:path w="3316224" h="269599">
+                <a:moveTo>
+                  <a:pt x="0" y="184255"/>
+                </a:moveTo>
+                <a:cubicBezTo>
+                  <a:pt x="827024" y="85703"/>
+                  <a:pt x="1654048" y="-12849"/>
+                  <a:pt x="2206752" y="1375"/>
+                </a:cubicBezTo>
+                <a:cubicBezTo>
+                  <a:pt x="2759456" y="15599"/>
+                  <a:pt x="3037840" y="142599"/>
+                  <a:pt x="3316224" y="269599"/>
+                </a:cubicBezTo>
+              </a:path>
+            </a:pathLst>
+          </a:custGeom>
+          <a:noFill/>
+          <a:ln>
+            <a:solidFill>
+              <a:srgbClr val="FF0000"/>
+            </a:solidFill>
+            <a:headEnd type="none" w="med" len="med"/>
+            <a:tailEnd type="triangle" w="med" len="med"/>
+          </a:ln>
+        </p:spPr>
+        <p:style>
+          <a:lnRef idx="2">
+            <a:schemeClr val="accent1">
+              <a:shade val="50000"/>
+            </a:schemeClr>
+          </a:lnRef>
+          <a:fillRef idx="1">
+            <a:schemeClr val="accent1"/>
+          </a:fillRef>
+          <a:effectRef idx="0">
+            <a:schemeClr val="accent1"/>
+          </a:effectRef>
+          <a:fontRef idx="minor">
+            <a:schemeClr val="lt1"/>
+          </a:fontRef>
+        </p:style>
+        <p:txBody>
+          <a:bodyPr rtlCol="0" anchor="ctr"/>
+          <a:lstStyle/>
+          <a:p>
+            <a:pPr algn="ctr"/>
+            <a:endParaRPr lang="ko-KR" altLang="en-US"/>
+          </a:p>
+        </p:txBody>
+      </p:sp>
+      <p:sp>
+        <p:nvSpPr>
+          <p:cNvPr id="8" name="TextBox 7">
+            <a:extLst>
+              <a:ext uri="{FF2B5EF4-FFF2-40B4-BE49-F238E27FC236}">
+                <a16:creationId xmlns:a16="http://schemas.microsoft.com/office/drawing/2014/main" id="{F02C3C84-5495-2D4C-2EB3-4860A389AE3E}"/>
+              </a:ext>
+            </a:extLst>
+          </p:cNvPr>
+          <p:cNvSpPr txBox="1"/>
+          <p:nvPr/>
+        </p:nvSpPr>
+        <p:spPr>
+          <a:xfrm>
+            <a:off x="306647" y="319086"/>
+            <a:ext cx="6377181" cy="707886"/>
+          </a:xfrm>
+          <a:prstGeom prst="rect">
+            <a:avLst/>
+          </a:prstGeom>
+          <a:noFill/>
+        </p:spPr>
+        <p:txBody>
+          <a:bodyPr wrap="square">
+            <a:spAutoFit/>
+          </a:bodyPr>
+          <a:lstStyle/>
+          <a:p>
+            <a:r>
+              <a:rPr lang="ko-KR" altLang="en-US" sz="4000" dirty="0">
+                <a:latin typeface="KoPubWorld돋움체 Bold" panose="00000800000000000000" pitchFamily="2" charset="-127"/>
+                <a:ea typeface="KoPubWorld돋움체 Bold" panose="00000800000000000000" pitchFamily="2" charset="-127"/>
+                <a:cs typeface="KoPubWorld돋움체 Bold" panose="00000800000000000000" pitchFamily="2" charset="-127"/>
+              </a:rPr>
+              <a:t>확인문제</a:t>
+            </a:r>
+          </a:p>
+        </p:txBody>
+      </p:sp>
+    </p:spTree>
+    <p:extLst>
+      <p:ext uri="{BB962C8B-B14F-4D97-AF65-F5344CB8AC3E}">
+        <p14:creationId xmlns:p14="http://schemas.microsoft.com/office/powerpoint/2010/main" val="4050205413"/>
+      </p:ext>
+    </p:extLst>
+  </p:cSld>
+  <p:clrMapOvr>
+    <a:masterClrMapping/>
+  </p:clrMapOvr>
+</p:sld>
+</file>
+
+<file path=ppt/slides/slide24.xml><?xml version="1.0" encoding="utf-8"?>
 <p:sld xmlns:a="http://schemas.openxmlformats.org/drawingml/2006/main" xmlns:r="http://schemas.openxmlformats.org/officeDocument/2006/relationships" xmlns:p="http://schemas.openxmlformats.org/presentationml/2006/main">
   <p:cSld>
     <p:spTree>
@@ -14584,6 +15483,45 @@
           </a:graphicData>
         </a:graphic>
       </p:graphicFrame>
+      <p:sp>
+        <p:nvSpPr>
+          <p:cNvPr id="4" name="TextBox 3">
+            <a:extLst>
+              <a:ext uri="{FF2B5EF4-FFF2-40B4-BE49-F238E27FC236}">
+                <a16:creationId xmlns:a16="http://schemas.microsoft.com/office/drawing/2014/main" id="{452A1D10-0CF9-D4DC-C1A6-9F6EF4EF2579}"/>
+              </a:ext>
+            </a:extLst>
+          </p:cNvPr>
+          <p:cNvSpPr txBox="1"/>
+          <p:nvPr/>
+        </p:nvSpPr>
+        <p:spPr>
+          <a:xfrm>
+            <a:off x="306647" y="319086"/>
+            <a:ext cx="6377181" cy="707886"/>
+          </a:xfrm>
+          <a:prstGeom prst="rect">
+            <a:avLst/>
+          </a:prstGeom>
+          <a:noFill/>
+        </p:spPr>
+        <p:txBody>
+          <a:bodyPr wrap="square">
+            <a:spAutoFit/>
+          </a:bodyPr>
+          <a:lstStyle/>
+          <a:p>
+            <a:r>
+              <a:rPr lang="ko-KR" altLang="en-US" sz="4000" dirty="0">
+                <a:latin typeface="KoPubWorld돋움체 Bold" panose="00000800000000000000" pitchFamily="2" charset="-127"/>
+                <a:ea typeface="KoPubWorld돋움체 Bold" panose="00000800000000000000" pitchFamily="2" charset="-127"/>
+                <a:cs typeface="KoPubWorld돋움체 Bold" panose="00000800000000000000" pitchFamily="2" charset="-127"/>
+              </a:rPr>
+              <a:t>확인문제</a:t>
+            </a:r>
+          </a:p>
+        </p:txBody>
+      </p:sp>
     </p:spTree>
     <p:extLst>
       <p:ext uri="{BB962C8B-B14F-4D97-AF65-F5344CB8AC3E}">
@@ -14597,7 +15535,7 @@
 </p:sld>
 </file>
 
-<file path=ppt/slides/slide24.xml><?xml version="1.0" encoding="utf-8"?>
+<file path=ppt/slides/slide25.xml><?xml version="1.0" encoding="utf-8"?>
 <p:sld xmlns:a="http://schemas.openxmlformats.org/drawingml/2006/main" xmlns:r="http://schemas.openxmlformats.org/officeDocument/2006/relationships" xmlns:p="http://schemas.openxmlformats.org/presentationml/2006/main">
   <p:cSld>
     <p:spTree>
@@ -15387,6 +16325,45 @@
           </a:prstGeom>
         </p:spPr>
       </p:pic>
+      <p:sp>
+        <p:nvSpPr>
+          <p:cNvPr id="4" name="TextBox 3">
+            <a:extLst>
+              <a:ext uri="{FF2B5EF4-FFF2-40B4-BE49-F238E27FC236}">
+                <a16:creationId xmlns:a16="http://schemas.microsoft.com/office/drawing/2014/main" id="{637BB33B-F607-D7C2-6085-7B88546E9C9F}"/>
+              </a:ext>
+            </a:extLst>
+          </p:cNvPr>
+          <p:cNvSpPr txBox="1"/>
+          <p:nvPr/>
+        </p:nvSpPr>
+        <p:spPr>
+          <a:xfrm>
+            <a:off x="306647" y="319086"/>
+            <a:ext cx="6377181" cy="707886"/>
+          </a:xfrm>
+          <a:prstGeom prst="rect">
+            <a:avLst/>
+          </a:prstGeom>
+          <a:noFill/>
+        </p:spPr>
+        <p:txBody>
+          <a:bodyPr wrap="square">
+            <a:spAutoFit/>
+          </a:bodyPr>
+          <a:lstStyle/>
+          <a:p>
+            <a:r>
+              <a:rPr lang="ko-KR" altLang="en-US" sz="4000" dirty="0">
+                <a:latin typeface="KoPubWorld돋움체 Bold" panose="00000800000000000000" pitchFamily="2" charset="-127"/>
+                <a:ea typeface="KoPubWorld돋움체 Bold" panose="00000800000000000000" pitchFamily="2" charset="-127"/>
+                <a:cs typeface="KoPubWorld돋움체 Bold" panose="00000800000000000000" pitchFamily="2" charset="-127"/>
+              </a:rPr>
+              <a:t>확인문제</a:t>
+            </a:r>
+          </a:p>
+        </p:txBody>
+      </p:sp>
     </p:spTree>
     <p:extLst>
       <p:ext uri="{BB962C8B-B14F-4D97-AF65-F5344CB8AC3E}">
@@ -15400,7 +16377,7 @@
 </p:sld>
 </file>
 
-<file path=ppt/slides/slide25.xml><?xml version="1.0" encoding="utf-8"?>
+<file path=ppt/slides/slide26.xml><?xml version="1.0" encoding="utf-8"?>
 <p:sld xmlns:a="http://schemas.openxmlformats.org/drawingml/2006/main" xmlns:r="http://schemas.openxmlformats.org/officeDocument/2006/relationships" xmlns:p="http://schemas.openxmlformats.org/presentationml/2006/main">
   <p:cSld>
     <p:spTree>
@@ -15912,42 +16889,12 @@
           </a:prstGeom>
         </p:spPr>
       </p:pic>
-    </p:spTree>
-    <p:extLst>
-      <p:ext uri="{BB962C8B-B14F-4D97-AF65-F5344CB8AC3E}">
-        <p14:creationId xmlns:p14="http://schemas.microsoft.com/office/powerpoint/2010/main" val="3746610130"/>
-      </p:ext>
-    </p:extLst>
-  </p:cSld>
-  <p:clrMapOvr>
-    <a:masterClrMapping/>
-  </p:clrMapOvr>
-</p:sld>
-</file>
-
-<file path=ppt/slides/slide26.xml><?xml version="1.0" encoding="utf-8"?>
-<p:sld xmlns:a="http://schemas.openxmlformats.org/drawingml/2006/main" xmlns:r="http://schemas.openxmlformats.org/officeDocument/2006/relationships" xmlns:p="http://schemas.openxmlformats.org/presentationml/2006/main">
-  <p:cSld>
-    <p:spTree>
-      <p:nvGrpSpPr>
-        <p:cNvPr id="1" name=""/>
-        <p:cNvGrpSpPr/>
-        <p:nvPr/>
-      </p:nvGrpSpPr>
-      <p:grpSpPr>
-        <a:xfrm>
-          <a:off x="0" y="0"/>
-          <a:ext cx="0" cy="0"/>
-          <a:chOff x="0" y="0"/>
-          <a:chExt cx="0" cy="0"/>
-        </a:xfrm>
-      </p:grpSpPr>
       <p:sp>
         <p:nvSpPr>
           <p:cNvPr id="4" name="TextBox 3">
             <a:extLst>
               <a:ext uri="{FF2B5EF4-FFF2-40B4-BE49-F238E27FC236}">
-                <a16:creationId xmlns:a16="http://schemas.microsoft.com/office/drawing/2014/main" id="{AE198254-4CD6-B88B-42C3-E57D575F22A0}"/>
+                <a16:creationId xmlns:a16="http://schemas.microsoft.com/office/drawing/2014/main" id="{3CD29191-8694-9D69-9906-BA469E94D5F2}"/>
               </a:ext>
             </a:extLst>
           </p:cNvPr>
@@ -15971,792 +16918,20 @@
           <a:lstStyle/>
           <a:p>
             <a:r>
-              <a:rPr lang="ko-KR" altLang="en-US" sz="4000">
+              <a:rPr lang="ko-KR" altLang="en-US" sz="4000" dirty="0">
                 <a:latin typeface="KoPubWorld돋움체 Bold" panose="00000800000000000000" pitchFamily="2" charset="-127"/>
                 <a:ea typeface="KoPubWorld돋움체 Bold" panose="00000800000000000000" pitchFamily="2" charset="-127"/>
                 <a:cs typeface="KoPubWorld돋움체 Bold" panose="00000800000000000000" pitchFamily="2" charset="-127"/>
               </a:rPr>
-              <a:t>문자열 입력</a:t>
-            </a:r>
-            <a:endParaRPr lang="ko-KR" altLang="en-US" sz="4000" dirty="0">
-              <a:latin typeface="KoPubWorld돋움체 Bold" panose="00000800000000000000" pitchFamily="2" charset="-127"/>
-              <a:ea typeface="KoPubWorld돋움체 Bold" panose="00000800000000000000" pitchFamily="2" charset="-127"/>
-              <a:cs typeface="KoPubWorld돋움체 Bold" panose="00000800000000000000" pitchFamily="2" charset="-127"/>
-            </a:endParaRPr>
-          </a:p>
-        </p:txBody>
-      </p:sp>
-      <p:sp>
-        <p:nvSpPr>
-          <p:cNvPr id="2" name="텍스트 개체 틀 8">
-            <a:extLst>
-              <a:ext uri="{FF2B5EF4-FFF2-40B4-BE49-F238E27FC236}">
-                <a16:creationId xmlns:a16="http://schemas.microsoft.com/office/drawing/2014/main" id="{7A714868-F34D-EE70-52B3-03DBFAF6C214}"/>
-              </a:ext>
-            </a:extLst>
-          </p:cNvPr>
-          <p:cNvSpPr txBox="1">
-            <a:spLocks/>
-          </p:cNvSpPr>
-          <p:nvPr/>
-        </p:nvSpPr>
-        <p:spPr>
-          <a:xfrm>
-            <a:off x="410815" y="1244994"/>
-            <a:ext cx="11281052" cy="4999638"/>
-          </a:xfrm>
-          <a:prstGeom prst="rect">
-            <a:avLst/>
-          </a:prstGeom>
-        </p:spPr>
-        <p:txBody>
-          <a:bodyPr>
-            <a:normAutofit/>
-          </a:bodyPr>
-          <a:lstStyle>
-            <a:lvl1pPr marL="228600" indent="-228600" algn="l" defTabSz="914400" rtl="0" eaLnBrk="1" latinLnBrk="1" hangingPunct="1">
-              <a:lnSpc>
-                <a:spcPct val="90000"/>
-              </a:lnSpc>
-              <a:spcBef>
-                <a:spcPts val="1000"/>
-              </a:spcBef>
-              <a:buFont typeface="Arial" panose="020B0604020202020204" pitchFamily="34" charset="0"/>
-              <a:buChar char="•"/>
-              <a:defRPr sz="2800" kern="1200">
-                <a:solidFill>
-                  <a:schemeClr val="tx1"/>
-                </a:solidFill>
-                <a:latin typeface="+mn-lt"/>
-                <a:ea typeface="+mn-ea"/>
-                <a:cs typeface="+mn-cs"/>
-              </a:defRPr>
-            </a:lvl1pPr>
-            <a:lvl2pPr marL="685800" indent="-228600" algn="l" defTabSz="914400" rtl="0" eaLnBrk="1" latinLnBrk="1" hangingPunct="1">
-              <a:lnSpc>
-                <a:spcPct val="90000"/>
-              </a:lnSpc>
-              <a:spcBef>
-                <a:spcPts val="500"/>
-              </a:spcBef>
-              <a:buFont typeface="Arial" panose="020B0604020202020204" pitchFamily="34" charset="0"/>
-              <a:buChar char="•"/>
-              <a:defRPr sz="2400" kern="1200">
-                <a:solidFill>
-                  <a:schemeClr val="tx1"/>
-                </a:solidFill>
-                <a:latin typeface="+mn-lt"/>
-                <a:ea typeface="+mn-ea"/>
-                <a:cs typeface="+mn-cs"/>
-              </a:defRPr>
-            </a:lvl2pPr>
-            <a:lvl3pPr marL="1143000" indent="-228600" algn="l" defTabSz="914400" rtl="0" eaLnBrk="1" latinLnBrk="1" hangingPunct="1">
-              <a:lnSpc>
-                <a:spcPct val="90000"/>
-              </a:lnSpc>
-              <a:spcBef>
-                <a:spcPts val="500"/>
-              </a:spcBef>
-              <a:buFont typeface="Arial" panose="020B0604020202020204" pitchFamily="34" charset="0"/>
-              <a:buChar char="•"/>
-              <a:defRPr sz="2000" kern="1200">
-                <a:solidFill>
-                  <a:schemeClr val="tx1"/>
-                </a:solidFill>
-                <a:latin typeface="+mn-lt"/>
-                <a:ea typeface="+mn-ea"/>
-                <a:cs typeface="+mn-cs"/>
-              </a:defRPr>
-            </a:lvl3pPr>
-            <a:lvl4pPr marL="1600200" indent="-228600" algn="l" defTabSz="914400" rtl="0" eaLnBrk="1" latinLnBrk="1" hangingPunct="1">
-              <a:lnSpc>
-                <a:spcPct val="90000"/>
-              </a:lnSpc>
-              <a:spcBef>
-                <a:spcPts val="500"/>
-              </a:spcBef>
-              <a:buFont typeface="Arial" panose="020B0604020202020204" pitchFamily="34" charset="0"/>
-              <a:buChar char="•"/>
-              <a:defRPr sz="1800" kern="1200">
-                <a:solidFill>
-                  <a:schemeClr val="tx1"/>
-                </a:solidFill>
-                <a:latin typeface="+mn-lt"/>
-                <a:ea typeface="+mn-ea"/>
-                <a:cs typeface="+mn-cs"/>
-              </a:defRPr>
-            </a:lvl4pPr>
-            <a:lvl5pPr marL="2057400" indent="-228600" algn="l" defTabSz="914400" rtl="0" eaLnBrk="1" latinLnBrk="1" hangingPunct="1">
-              <a:lnSpc>
-                <a:spcPct val="90000"/>
-              </a:lnSpc>
-              <a:spcBef>
-                <a:spcPts val="500"/>
-              </a:spcBef>
-              <a:buFont typeface="Arial" panose="020B0604020202020204" pitchFamily="34" charset="0"/>
-              <a:buChar char="•"/>
-              <a:defRPr sz="1800" kern="1200">
-                <a:solidFill>
-                  <a:schemeClr val="tx1"/>
-                </a:solidFill>
-                <a:latin typeface="+mn-lt"/>
-                <a:ea typeface="+mn-ea"/>
-                <a:cs typeface="+mn-cs"/>
-              </a:defRPr>
-            </a:lvl5pPr>
-            <a:lvl6pPr marL="2514600" indent="-228600" algn="l" defTabSz="914400" rtl="0" eaLnBrk="1" latinLnBrk="1" hangingPunct="1">
-              <a:lnSpc>
-                <a:spcPct val="90000"/>
-              </a:lnSpc>
-              <a:spcBef>
-                <a:spcPts val="500"/>
-              </a:spcBef>
-              <a:buFont typeface="Arial" panose="020B0604020202020204" pitchFamily="34" charset="0"/>
-              <a:buChar char="•"/>
-              <a:defRPr sz="1800" kern="1200">
-                <a:solidFill>
-                  <a:schemeClr val="tx1"/>
-                </a:solidFill>
-                <a:latin typeface="+mn-lt"/>
-                <a:ea typeface="+mn-ea"/>
-                <a:cs typeface="+mn-cs"/>
-              </a:defRPr>
-            </a:lvl6pPr>
-            <a:lvl7pPr marL="2971800" indent="-228600" algn="l" defTabSz="914400" rtl="0" eaLnBrk="1" latinLnBrk="1" hangingPunct="1">
-              <a:lnSpc>
-                <a:spcPct val="90000"/>
-              </a:lnSpc>
-              <a:spcBef>
-                <a:spcPts val="500"/>
-              </a:spcBef>
-              <a:buFont typeface="Arial" panose="020B0604020202020204" pitchFamily="34" charset="0"/>
-              <a:buChar char="•"/>
-              <a:defRPr sz="1800" kern="1200">
-                <a:solidFill>
-                  <a:schemeClr val="tx1"/>
-                </a:solidFill>
-                <a:latin typeface="+mn-lt"/>
-                <a:ea typeface="+mn-ea"/>
-                <a:cs typeface="+mn-cs"/>
-              </a:defRPr>
-            </a:lvl7pPr>
-            <a:lvl8pPr marL="3429000" indent="-228600" algn="l" defTabSz="914400" rtl="0" eaLnBrk="1" latinLnBrk="1" hangingPunct="1">
-              <a:lnSpc>
-                <a:spcPct val="90000"/>
-              </a:lnSpc>
-              <a:spcBef>
-                <a:spcPts val="500"/>
-              </a:spcBef>
-              <a:buFont typeface="Arial" panose="020B0604020202020204" pitchFamily="34" charset="0"/>
-              <a:buChar char="•"/>
-              <a:defRPr sz="1800" kern="1200">
-                <a:solidFill>
-                  <a:schemeClr val="tx1"/>
-                </a:solidFill>
-                <a:latin typeface="+mn-lt"/>
-                <a:ea typeface="+mn-ea"/>
-                <a:cs typeface="+mn-cs"/>
-              </a:defRPr>
-            </a:lvl8pPr>
-            <a:lvl9pPr marL="3886200" indent="-228600" algn="l" defTabSz="914400" rtl="0" eaLnBrk="1" latinLnBrk="1" hangingPunct="1">
-              <a:lnSpc>
-                <a:spcPct val="90000"/>
-              </a:lnSpc>
-              <a:spcBef>
-                <a:spcPts val="500"/>
-              </a:spcBef>
-              <a:buFont typeface="Arial" panose="020B0604020202020204" pitchFamily="34" charset="0"/>
-              <a:buChar char="•"/>
-              <a:defRPr sz="1800" kern="1200">
-                <a:solidFill>
-                  <a:schemeClr val="tx1"/>
-                </a:solidFill>
-                <a:latin typeface="+mn-lt"/>
-                <a:ea typeface="+mn-ea"/>
-                <a:cs typeface="+mn-cs"/>
-              </a:defRPr>
-            </a:lvl9pPr>
-          </a:lstStyle>
-          <a:p>
-            <a:r>
-              <a:rPr lang="ko-KR" altLang="en-US"/>
-              <a:t>문자열 입력</a:t>
-            </a:r>
-            <a:endParaRPr lang="en-US" altLang="ko-KR"/>
-          </a:p>
-          <a:p>
-            <a:pPr lvl="1"/>
-            <a:r>
-              <a:rPr lang="en-US" altLang="ko-KR" sz="1600">
-                <a:solidFill>
-                  <a:srgbClr val="000000"/>
-                </a:solidFill>
-                <a:latin typeface="+mn-ea"/>
-              </a:rPr>
-              <a:t>prompt(</a:t>
-            </a:r>
-            <a:r>
-              <a:rPr lang="ko-KR" altLang="en-US" sz="1600">
-                <a:solidFill>
-                  <a:srgbClr val="000000"/>
-                </a:solidFill>
-                <a:latin typeface="+mn-ea"/>
-              </a:rPr>
-              <a:t>메시지 문자열</a:t>
-            </a:r>
-            <a:r>
-              <a:rPr lang="en-US" altLang="ko-KR" sz="1600">
-                <a:solidFill>
-                  <a:srgbClr val="000000"/>
-                </a:solidFill>
-                <a:latin typeface="+mn-ea"/>
-              </a:rPr>
-              <a:t>, </a:t>
-            </a:r>
-            <a:r>
-              <a:rPr lang="ko-KR" altLang="en-US" sz="1600">
-                <a:solidFill>
-                  <a:srgbClr val="000000"/>
-                </a:solidFill>
-                <a:latin typeface="+mn-ea"/>
-              </a:rPr>
-              <a:t>기본 입력 문자열</a:t>
-            </a:r>
-            <a:r>
-              <a:rPr lang="en-US" altLang="ko-KR" sz="1600">
-                <a:solidFill>
-                  <a:srgbClr val="000000"/>
-                </a:solidFill>
-                <a:latin typeface="+mn-ea"/>
-              </a:rPr>
-              <a:t>)</a:t>
-            </a:r>
-          </a:p>
-          <a:p>
-            <a:pPr lvl="1"/>
-            <a:r>
-              <a:rPr lang="en-US" altLang="ko-KR" sz="1600">
-                <a:latin typeface="+mn-ea"/>
-              </a:rPr>
-              <a:t>prompt() </a:t>
-            </a:r>
-            <a:r>
-              <a:rPr lang="ko-KR" altLang="en-US" sz="1600">
-                <a:latin typeface="+mn-ea"/>
-              </a:rPr>
-              <a:t>함수 매개변수의 역할 </a:t>
-            </a:r>
-            <a:r>
-              <a:rPr lang="en-US" altLang="ko-KR" sz="1600">
-                <a:latin typeface="+mn-ea"/>
-              </a:rPr>
-              <a:t>(</a:t>
-            </a:r>
-            <a:r>
-              <a:rPr lang="ko-KR" altLang="en-US" sz="1600">
-                <a:latin typeface="+mn-ea"/>
-              </a:rPr>
-              <a:t>소스 코드 </a:t>
-            </a:r>
-            <a:r>
-              <a:rPr lang="en-US" altLang="ko-KR" sz="1600">
-                <a:latin typeface="+mn-ea"/>
-              </a:rPr>
-              <a:t>2-3-1.html </a:t>
-            </a:r>
-            <a:r>
-              <a:rPr lang="ko-KR" altLang="en-US" sz="1600">
-                <a:latin typeface="+mn-ea"/>
-              </a:rPr>
-              <a:t>참조</a:t>
-            </a:r>
-            <a:r>
-              <a:rPr lang="en-US" altLang="ko-KR" sz="1600">
-                <a:latin typeface="+mn-ea"/>
-              </a:rPr>
-              <a:t>)</a:t>
-            </a:r>
-          </a:p>
-          <a:p>
-            <a:pPr lvl="1"/>
-            <a:endParaRPr lang="en-US" altLang="ko-KR" sz="1600">
-              <a:latin typeface="+mn-ea"/>
-            </a:endParaRPr>
-          </a:p>
-          <a:p>
-            <a:pPr lvl="1"/>
-            <a:endParaRPr lang="en-US" altLang="ko-KR" sz="1600">
-              <a:latin typeface="+mn-ea"/>
-            </a:endParaRPr>
-          </a:p>
-          <a:p>
-            <a:pPr lvl="1"/>
-            <a:endParaRPr lang="en-US" altLang="ko-KR" sz="1600">
-              <a:latin typeface="+mn-ea"/>
-            </a:endParaRPr>
-          </a:p>
-          <a:p>
-            <a:pPr lvl="1"/>
-            <a:endParaRPr lang="en-US" altLang="ko-KR" sz="1600">
-              <a:latin typeface="+mn-ea"/>
-            </a:endParaRPr>
-          </a:p>
-          <a:p>
-            <a:pPr lvl="1"/>
-            <a:endParaRPr lang="en-US" altLang="ko-KR" sz="1600">
-              <a:latin typeface="+mn-ea"/>
-            </a:endParaRPr>
-          </a:p>
-          <a:p>
-            <a:pPr lvl="1"/>
-            <a:endParaRPr lang="en-US" altLang="ko-KR" sz="1600">
-              <a:latin typeface="+mn-ea"/>
-            </a:endParaRPr>
-          </a:p>
-          <a:p>
-            <a:pPr lvl="1"/>
-            <a:r>
-              <a:rPr lang="ko-KR" altLang="en-US" sz="1600">
-                <a:latin typeface="+mn-ea"/>
-              </a:rPr>
-              <a:t>리턴</a:t>
-            </a:r>
-            <a:r>
-              <a:rPr lang="en-US" altLang="ko-KR" sz="1600">
-                <a:latin typeface="+mn-ea"/>
-              </a:rPr>
-              <a:t>(return): </a:t>
-            </a:r>
-            <a:r>
-              <a:rPr lang="ko-KR" altLang="en-US" sz="1600">
-                <a:latin typeface="+mn-ea"/>
-              </a:rPr>
-              <a:t>함수를 실행한 후 값을 남기는 것</a:t>
-            </a:r>
-            <a:r>
-              <a:rPr lang="en-US" altLang="ko-KR" sz="1600">
-                <a:latin typeface="+mn-ea"/>
-              </a:rPr>
-              <a:t>(Chapter 5</a:t>
-            </a:r>
-            <a:r>
-              <a:rPr lang="ko-KR" altLang="en-US" sz="1600">
-                <a:latin typeface="+mn-ea"/>
-              </a:rPr>
-              <a:t>에서 학습</a:t>
-            </a:r>
-            <a:r>
-              <a:rPr lang="en-US" altLang="ko-KR" sz="1600">
-                <a:latin typeface="+mn-ea"/>
-              </a:rPr>
-              <a:t>)</a:t>
-            </a:r>
-            <a:endParaRPr lang="en-US" altLang="ko-KR" sz="1600" dirty="0">
-              <a:latin typeface="+mn-ea"/>
-            </a:endParaRPr>
-          </a:p>
-        </p:txBody>
-      </p:sp>
-      <p:graphicFrame>
-        <p:nvGraphicFramePr>
-          <p:cNvPr id="3" name="Table 4">
-            <a:extLst>
-              <a:ext uri="{FF2B5EF4-FFF2-40B4-BE49-F238E27FC236}">
-                <a16:creationId xmlns:a16="http://schemas.microsoft.com/office/drawing/2014/main" id="{237F37A8-E3E6-D19A-34CB-503F613DF51D}"/>
-              </a:ext>
-            </a:extLst>
-          </p:cNvPr>
-          <p:cNvGraphicFramePr>
-            <a:graphicFrameLocks noGrp="1"/>
-          </p:cNvGraphicFramePr>
-          <p:nvPr/>
-        </p:nvGraphicFramePr>
-        <p:xfrm>
-          <a:off x="1955800" y="2502434"/>
-          <a:ext cx="4316413" cy="1798320"/>
-        </p:xfrm>
-        <a:graphic>
-          <a:graphicData uri="http://schemas.openxmlformats.org/drawingml/2006/table">
-            <a:tbl>
-              <a:tblPr firstRow="1" bandRow="1">
-                <a:tableStyleId>{5C22544A-7EE6-4342-B048-85BDC9FD1C3A}</a:tableStyleId>
-              </a:tblPr>
-              <a:tblGrid>
-                <a:gridCol w="4316413">
-                  <a:extLst>
-                    <a:ext uri="{9D8B030D-6E8A-4147-A177-3AD203B41FA5}">
-                      <a16:colId xmlns:a16="http://schemas.microsoft.com/office/drawing/2014/main" val="861803730"/>
-                    </a:ext>
-                  </a:extLst>
-                </a:gridCol>
-              </a:tblGrid>
-              <a:tr h="370840">
-                <a:tc>
-                  <a:txBody>
-                    <a:bodyPr/>
-                    <a:lstStyle/>
-                    <a:p>
-                      <a:pPr latinLnBrk="1"/>
-                      <a:r>
-                        <a:rPr lang="en-US" altLang="ko-KR" sz="1600" b="0" dirty="0">
-                          <a:solidFill>
-                            <a:sysClr val="windowText" lastClr="000000"/>
-                          </a:solidFill>
-                        </a:rPr>
-                        <a:t>01 &lt;script&gt;</a:t>
-                      </a:r>
-                    </a:p>
-                    <a:p>
-                      <a:pPr latinLnBrk="1"/>
-                      <a:r>
-                        <a:rPr lang="en-US" altLang="ko-KR" sz="1600" b="0" dirty="0">
-                          <a:solidFill>
-                            <a:sysClr val="windowText" lastClr="000000"/>
-                          </a:solidFill>
-                        </a:rPr>
-                        <a:t>02   // </a:t>
-                      </a:r>
-                      <a:r>
-                        <a:rPr lang="ko-KR" altLang="en-US" sz="1600" b="0" dirty="0">
-                          <a:solidFill>
-                            <a:sysClr val="windowText" lastClr="000000"/>
-                          </a:solidFill>
-                        </a:rPr>
-                        <a:t>상수를 선언합니다</a:t>
-                      </a:r>
-                      <a:r>
-                        <a:rPr lang="en-US" altLang="ko-KR" sz="1600" b="0" dirty="0">
-                          <a:solidFill>
-                            <a:sysClr val="windowText" lastClr="000000"/>
-                          </a:solidFill>
-                        </a:rPr>
-                        <a:t>.</a:t>
-                      </a:r>
-                    </a:p>
-                    <a:p>
-                      <a:pPr latinLnBrk="1"/>
-                      <a:r>
-                        <a:rPr lang="en-US" altLang="ko-KR" sz="1600" b="0" dirty="0">
-                          <a:solidFill>
-                            <a:sysClr val="windowText" lastClr="000000"/>
-                          </a:solidFill>
-                        </a:rPr>
-                        <a:t>03   </a:t>
-                      </a:r>
-                      <a:r>
-                        <a:rPr lang="en-US" altLang="ko-KR" sz="1600" b="0" dirty="0" err="1">
-                          <a:solidFill>
-                            <a:sysClr val="windowText" lastClr="000000"/>
-                          </a:solidFill>
-                        </a:rPr>
-                        <a:t>const</a:t>
-                      </a:r>
-                      <a:r>
-                        <a:rPr lang="en-US" altLang="ko-KR" sz="1600" b="0" dirty="0">
-                          <a:solidFill>
-                            <a:sysClr val="windowText" lastClr="000000"/>
-                          </a:solidFill>
-                        </a:rPr>
-                        <a:t> input = prompt('message', '_default')</a:t>
-                      </a:r>
-                    </a:p>
-                    <a:p>
-                      <a:pPr latinLnBrk="1"/>
-                      <a:r>
-                        <a:rPr lang="en-US" altLang="ko-KR" sz="1600" b="0" dirty="0">
-                          <a:solidFill>
-                            <a:sysClr val="windowText" lastClr="000000"/>
-                          </a:solidFill>
-                        </a:rPr>
-                        <a:t>04   // </a:t>
-                      </a:r>
-                      <a:r>
-                        <a:rPr lang="ko-KR" altLang="en-US" sz="1600" b="0" dirty="0">
-                          <a:solidFill>
-                            <a:sysClr val="windowText" lastClr="000000"/>
-                          </a:solidFill>
-                        </a:rPr>
-                        <a:t>출력합니다</a:t>
-                      </a:r>
-                      <a:r>
-                        <a:rPr lang="en-US" altLang="ko-KR" sz="1600" b="0" dirty="0">
-                          <a:solidFill>
-                            <a:sysClr val="windowText" lastClr="000000"/>
-                          </a:solidFill>
-                        </a:rPr>
-                        <a:t>.</a:t>
-                      </a:r>
-                    </a:p>
-                    <a:p>
-                      <a:pPr latinLnBrk="1"/>
-                      <a:r>
-                        <a:rPr lang="en-US" altLang="ko-KR" sz="1600" b="0" dirty="0">
-                          <a:solidFill>
-                            <a:sysClr val="windowText" lastClr="000000"/>
-                          </a:solidFill>
-                        </a:rPr>
-                        <a:t>05   alert(input)</a:t>
-                      </a:r>
-                    </a:p>
-                    <a:p>
-                      <a:pPr latinLnBrk="1"/>
-                      <a:r>
-                        <a:rPr lang="en-US" altLang="ko-KR" sz="1600" b="0" dirty="0">
-                          <a:solidFill>
-                            <a:sysClr val="windowText" lastClr="000000"/>
-                          </a:solidFill>
-                        </a:rPr>
-                        <a:t>06 &lt;/script&gt;</a:t>
-                      </a:r>
-                      <a:endParaRPr lang="ko-KR" altLang="en-US" sz="1600" b="0" dirty="0">
-                        <a:solidFill>
-                          <a:sysClr val="windowText" lastClr="000000"/>
-                        </a:solidFill>
-                      </a:endParaRPr>
-                    </a:p>
-                  </a:txBody>
-                  <a:tcPr>
-                    <a:lnL w="12700" cmpd="sng">
-                      <a:noFill/>
-                    </a:lnL>
-                    <a:lnR w="12700" cmpd="sng">
-                      <a:noFill/>
-                    </a:lnR>
-                    <a:lnT w="12700" cap="flat" cmpd="sng" algn="ctr">
-                      <a:solidFill>
-                        <a:schemeClr val="tx1"/>
-                      </a:solidFill>
-                      <a:prstDash val="solid"/>
-                      <a:round/>
-                      <a:headEnd type="none" w="med" len="med"/>
-                      <a:tailEnd type="none" w="med" len="med"/>
-                    </a:lnT>
-                    <a:lnB w="12700" cap="flat" cmpd="sng" algn="ctr">
-                      <a:solidFill>
-                        <a:schemeClr val="tx1"/>
-                      </a:solidFill>
-                      <a:prstDash val="solid"/>
-                      <a:round/>
-                      <a:headEnd type="none" w="med" len="med"/>
-                      <a:tailEnd type="none" w="med" len="med"/>
-                    </a:lnB>
-                    <a:lnTlToBr w="12700" cmpd="sng">
-                      <a:noFill/>
-                      <a:prstDash val="solid"/>
-                    </a:lnTlToBr>
-                    <a:lnBlToTr w="12700" cmpd="sng">
-                      <a:noFill/>
-                      <a:prstDash val="solid"/>
-                    </a:lnBlToTr>
-                    <a:noFill/>
-                  </a:tcPr>
-                </a:tc>
-                <a:extLst>
-                  <a:ext uri="{0D108BD9-81ED-4DB2-BD59-A6C34878D82A}">
-                    <a16:rowId xmlns:a16="http://schemas.microsoft.com/office/drawing/2014/main" val="2868720426"/>
-                  </a:ext>
-                </a:extLst>
-              </a:tr>
-            </a:tbl>
-          </a:graphicData>
-        </a:graphic>
-      </p:graphicFrame>
-      <p:sp>
-        <p:nvSpPr>
-          <p:cNvPr id="5" name="TextBox 4">
-            <a:extLst>
-              <a:ext uri="{FF2B5EF4-FFF2-40B4-BE49-F238E27FC236}">
-                <a16:creationId xmlns:a16="http://schemas.microsoft.com/office/drawing/2014/main" id="{0019D565-1239-87AC-FABD-4F71F2AFF14E}"/>
-              </a:ext>
-            </a:extLst>
-          </p:cNvPr>
-          <p:cNvSpPr txBox="1"/>
-          <p:nvPr/>
-        </p:nvSpPr>
-        <p:spPr>
-          <a:xfrm>
-            <a:off x="6350691" y="2939999"/>
-            <a:ext cx="5465279" cy="338554"/>
-          </a:xfrm>
-          <a:prstGeom prst="rect">
-            <a:avLst/>
-          </a:prstGeom>
-          <a:noFill/>
-        </p:spPr>
-        <p:txBody>
-          <a:bodyPr wrap="none" rtlCol="0">
-            <a:spAutoFit/>
-          </a:bodyPr>
-          <a:lstStyle/>
-          <a:p>
-            <a:r>
-              <a:rPr lang="en-US" altLang="ko-KR" sz="1600" dirty="0">
-                <a:solidFill>
-                  <a:srgbClr val="FF0000"/>
-                </a:solidFill>
-                <a:latin typeface="+mn-ea"/>
-              </a:rPr>
-              <a:t>prompt() </a:t>
-            </a:r>
-            <a:r>
-              <a:rPr lang="ko-KR" altLang="en-US" sz="1600" dirty="0">
-                <a:solidFill>
-                  <a:srgbClr val="FF0000"/>
-                </a:solidFill>
-                <a:latin typeface="+mn-ea"/>
-              </a:rPr>
-              <a:t>함수는 사용자로부터 내용을 입력받아서 사용</a:t>
-            </a:r>
-          </a:p>
-        </p:txBody>
-      </p:sp>
-      <p:sp>
-        <p:nvSpPr>
-          <p:cNvPr id="6" name="Oval 5">
-            <a:extLst>
-              <a:ext uri="{FF2B5EF4-FFF2-40B4-BE49-F238E27FC236}">
-                <a16:creationId xmlns:a16="http://schemas.microsoft.com/office/drawing/2014/main" id="{65F122DB-E7DD-B095-6274-29349E724627}"/>
-              </a:ext>
-            </a:extLst>
-          </p:cNvPr>
-          <p:cNvSpPr/>
-          <p:nvPr/>
-        </p:nvSpPr>
-        <p:spPr>
-          <a:xfrm>
-            <a:off x="2355835" y="3050356"/>
-            <a:ext cx="1011936" cy="256222"/>
-          </a:xfrm>
-          <a:prstGeom prst="ellipse">
-            <a:avLst/>
-          </a:prstGeom>
-          <a:noFill/>
-          <a:ln w="19050">
-            <a:solidFill>
-              <a:srgbClr val="FF0000"/>
-            </a:solidFill>
-            <a:prstDash val="sysDash"/>
-          </a:ln>
-        </p:spPr>
-        <p:style>
-          <a:lnRef idx="2">
-            <a:schemeClr val="accent2"/>
-          </a:lnRef>
-          <a:fillRef idx="1">
-            <a:schemeClr val="lt1"/>
-          </a:fillRef>
-          <a:effectRef idx="0">
-            <a:schemeClr val="accent2"/>
-          </a:effectRef>
-          <a:fontRef idx="minor">
-            <a:schemeClr val="dk1"/>
-          </a:fontRef>
-        </p:style>
-        <p:txBody>
-          <a:bodyPr rtlCol="0" anchor="ctr"/>
-          <a:lstStyle/>
-          <a:p>
-            <a:pPr algn="ctr"/>
-            <a:endParaRPr lang="ko-KR" altLang="en-US"/>
-          </a:p>
-        </p:txBody>
-      </p:sp>
-      <p:sp>
-        <p:nvSpPr>
-          <p:cNvPr id="7" name="Freeform: Shape 15">
-            <a:extLst>
-              <a:ext uri="{FF2B5EF4-FFF2-40B4-BE49-F238E27FC236}">
-                <a16:creationId xmlns:a16="http://schemas.microsoft.com/office/drawing/2014/main" id="{298B02C7-9C9B-3E4D-2296-E07F67325E41}"/>
-              </a:ext>
-            </a:extLst>
-          </p:cNvPr>
-          <p:cNvSpPr/>
-          <p:nvPr/>
-        </p:nvSpPr>
-        <p:spPr>
-          <a:xfrm>
-            <a:off x="3008376" y="2878673"/>
-            <a:ext cx="3316224" cy="269599"/>
-          </a:xfrm>
-          <a:custGeom>
-            <a:avLst/>
-            <a:gdLst>
-              <a:gd name="connsiteX0" fmla="*/ 0 w 3316224"/>
-              <a:gd name="connsiteY0" fmla="*/ 184255 h 269599"/>
-              <a:gd name="connsiteX1" fmla="*/ 2206752 w 3316224"/>
-              <a:gd name="connsiteY1" fmla="*/ 1375 h 269599"/>
-              <a:gd name="connsiteX2" fmla="*/ 3316224 w 3316224"/>
-              <a:gd name="connsiteY2" fmla="*/ 269599 h 269599"/>
-            </a:gdLst>
-            <a:ahLst/>
-            <a:cxnLst>
-              <a:cxn ang="0">
-                <a:pos x="connsiteX0" y="connsiteY0"/>
-              </a:cxn>
-              <a:cxn ang="0">
-                <a:pos x="connsiteX1" y="connsiteY1"/>
-              </a:cxn>
-              <a:cxn ang="0">
-                <a:pos x="connsiteX2" y="connsiteY2"/>
-              </a:cxn>
-            </a:cxnLst>
-            <a:rect l="l" t="t" r="r" b="b"/>
-            <a:pathLst>
-              <a:path w="3316224" h="269599">
-                <a:moveTo>
-                  <a:pt x="0" y="184255"/>
-                </a:moveTo>
-                <a:cubicBezTo>
-                  <a:pt x="827024" y="85703"/>
-                  <a:pt x="1654048" y="-12849"/>
-                  <a:pt x="2206752" y="1375"/>
-                </a:cubicBezTo>
-                <a:cubicBezTo>
-                  <a:pt x="2759456" y="15599"/>
-                  <a:pt x="3037840" y="142599"/>
-                  <a:pt x="3316224" y="269599"/>
-                </a:cubicBezTo>
-              </a:path>
-            </a:pathLst>
-          </a:custGeom>
-          <a:noFill/>
-          <a:ln>
-            <a:solidFill>
-              <a:srgbClr val="FF0000"/>
-            </a:solidFill>
-            <a:headEnd type="none" w="med" len="med"/>
-            <a:tailEnd type="triangle" w="med" len="med"/>
-          </a:ln>
-        </p:spPr>
-        <p:style>
-          <a:lnRef idx="2">
-            <a:schemeClr val="accent1">
-              <a:shade val="50000"/>
-            </a:schemeClr>
-          </a:lnRef>
-          <a:fillRef idx="1">
-            <a:schemeClr val="accent1"/>
-          </a:fillRef>
-          <a:effectRef idx="0">
-            <a:schemeClr val="accent1"/>
-          </a:effectRef>
-          <a:fontRef idx="minor">
-            <a:schemeClr val="lt1"/>
-          </a:fontRef>
-        </p:style>
-        <p:txBody>
-          <a:bodyPr rtlCol="0" anchor="ctr"/>
-          <a:lstStyle/>
-          <a:p>
-            <a:pPr algn="ctr"/>
-            <a:endParaRPr lang="ko-KR" altLang="en-US"/>
+              <a:t>확인문제</a:t>
+            </a:r>
           </a:p>
         </p:txBody>
       </p:sp>
     </p:spTree>
     <p:extLst>
       <p:ext uri="{BB962C8B-B14F-4D97-AF65-F5344CB8AC3E}">
-        <p14:creationId xmlns:p14="http://schemas.microsoft.com/office/powerpoint/2010/main" val="4050205413"/>
+        <p14:creationId xmlns:p14="http://schemas.microsoft.com/office/powerpoint/2010/main" val="3746610130"/>
       </p:ext>
     </p:extLst>
   </p:cSld>
@@ -17206,7 +17381,7 @@
         </p:nvSpPr>
         <p:spPr>
           <a:xfrm>
-            <a:off x="774470" y="1261714"/>
+            <a:off x="439254" y="1128011"/>
             <a:ext cx="7938392" cy="1152688"/>
           </a:xfrm>
           <a:prstGeom prst="rect">
@@ -17228,48 +17403,96 @@
               <a:buChar char="•"/>
             </a:pPr>
             <a:r>
+              <a:rPr lang="ko-KR" altLang="ko-Kore-KR" sz="1600" dirty="0">
+                <a:solidFill>
+                  <a:srgbClr val="FF0000"/>
+                </a:solidFill>
+              </a:rPr>
+              <a:t>참</a:t>
+            </a:r>
+            <a:r>
+              <a:rPr lang="en-US" altLang="ko-Kore-KR" sz="1600" baseline="30000" dirty="0">
+                <a:solidFill>
+                  <a:srgbClr val="FF0000"/>
+                </a:solidFill>
+              </a:rPr>
+              <a:t>true</a:t>
+            </a:r>
+            <a:r>
+              <a:rPr lang="ko-KR" altLang="ko-Kore-KR" sz="1600" dirty="0">
+                <a:solidFill>
+                  <a:srgbClr val="FF0000"/>
+                </a:solidFill>
+              </a:rPr>
+              <a:t>이나 거짓</a:t>
+            </a:r>
+            <a:r>
+              <a:rPr lang="en-US" altLang="ko-Kore-KR" sz="1600" baseline="30000" dirty="0">
+                <a:solidFill>
+                  <a:srgbClr val="FF0000"/>
+                </a:solidFill>
+              </a:rPr>
+              <a:t>false</a:t>
+            </a:r>
+            <a:r>
+              <a:rPr lang="en-US" altLang="ko-Kore-KR" sz="1600" dirty="0">
+                <a:solidFill>
+                  <a:srgbClr val="FF0000"/>
+                </a:solidFill>
+              </a:rPr>
+              <a:t> </a:t>
+            </a:r>
+            <a:r>
+              <a:rPr lang="ko-KR" altLang="ko-Kore-KR" sz="1600" dirty="0">
+                <a:solidFill>
+                  <a:srgbClr val="FF0000"/>
+                </a:solidFill>
+              </a:rPr>
+              <a:t>값</a:t>
+            </a:r>
+            <a:r>
               <a:rPr lang="ko-KR" altLang="ko-Kore-KR" sz="1600" dirty="0"/>
-              <a:t>참</a:t>
-            </a:r>
-            <a:r>
-              <a:rPr lang="en-US" altLang="ko-Kore-KR" sz="1600" baseline="30000" dirty="0"/>
-              <a:t>true</a:t>
-            </a:r>
-            <a:r>
-              <a:rPr lang="ko-KR" altLang="ko-Kore-KR" sz="1600" dirty="0"/>
-              <a:t>이나 거짓</a:t>
-            </a:r>
-            <a:r>
-              <a:rPr lang="en-US" altLang="ko-Kore-KR" sz="1600" baseline="30000" dirty="0"/>
-              <a:t>false</a:t>
-            </a:r>
-            <a:r>
-              <a:rPr lang="en-US" altLang="ko-Kore-KR" sz="1600" dirty="0"/>
-              <a:t> </a:t>
-            </a:r>
-            <a:r>
-              <a:rPr lang="ko-KR" altLang="ko-Kore-KR" sz="1600" dirty="0"/>
-              <a:t>값을 표현하기 위한 데이터 유형</a:t>
+              <a:t>을 표현하기 위한 데이터 유형</a:t>
             </a:r>
             <a:r>
               <a:rPr lang="en-US" altLang="ko-KR" sz="1600" dirty="0"/>
               <a:t>. </a:t>
             </a:r>
             <a:r>
+              <a:rPr lang="ko-KR" altLang="ko-Kore-KR" sz="1600" dirty="0">
+                <a:solidFill>
+                  <a:srgbClr val="FF0000"/>
+                </a:solidFill>
+              </a:rPr>
+              <a:t>불린</a:t>
+            </a:r>
+            <a:r>
+              <a:rPr lang="en-US" altLang="ko-Kore-KR" sz="1600" baseline="30000" dirty="0" err="1">
+                <a:solidFill>
+                  <a:srgbClr val="FF0000"/>
+                </a:solidFill>
+              </a:rPr>
+              <a:t>boolean</a:t>
+            </a:r>
+            <a:r>
+              <a:rPr lang="en-US" altLang="ko-Kore-KR" sz="1600" dirty="0">
+                <a:solidFill>
+                  <a:srgbClr val="FF0000"/>
+                </a:solidFill>
+              </a:rPr>
+              <a:t> </a:t>
+            </a:r>
+            <a:r>
+              <a:rPr lang="ko-KR" altLang="ko-Kore-KR" sz="1600" dirty="0">
+                <a:solidFill>
+                  <a:srgbClr val="FF0000"/>
+                </a:solidFill>
+              </a:rPr>
+              <a:t>유형</a:t>
+            </a:r>
+            <a:r>
               <a:rPr lang="ko-KR" altLang="ko-Kore-KR" sz="1600" dirty="0"/>
-              <a:t>불린</a:t>
-            </a:r>
-            <a:r>
-              <a:rPr lang="en-US" altLang="ko-Kore-KR" sz="1600" baseline="30000" dirty="0" err="1"/>
-              <a:t>boolean</a:t>
-            </a:r>
-            <a:r>
-              <a:rPr lang="en-US" altLang="ko-Kore-KR" sz="1600" dirty="0"/>
-              <a:t> </a:t>
-            </a:r>
-            <a:r>
-              <a:rPr lang="ko-KR" altLang="ko-Kore-KR" sz="1600" dirty="0"/>
-              <a:t>유형이라고도</a:t>
+              <a:t>이라고도</a:t>
             </a:r>
             <a:r>
               <a:rPr lang="ko-KR" altLang="en-US" sz="1600" dirty="0"/>
@@ -17353,8 +17576,8 @@
         </p:nvSpPr>
         <p:spPr>
           <a:xfrm>
-            <a:off x="774470" y="3116324"/>
-            <a:ext cx="8909649" cy="842573"/>
+            <a:off x="480556" y="2676272"/>
+            <a:ext cx="6050873" cy="842573"/>
           </a:xfrm>
           <a:prstGeom prst="rect">
             <a:avLst/>
@@ -17414,7 +17637,7 @@
         </p:nvSpPr>
         <p:spPr>
           <a:xfrm>
-            <a:off x="907306" y="3958897"/>
+            <a:off x="613392" y="3518845"/>
             <a:ext cx="7875270" cy="1152688"/>
           </a:xfrm>
           <a:prstGeom prst="rect">
@@ -17565,7 +17788,7 @@
         </p:nvSpPr>
         <p:spPr>
           <a:xfrm>
-            <a:off x="7733875" y="3830952"/>
+            <a:off x="7439961" y="3390900"/>
             <a:ext cx="3900487" cy="1785104"/>
           </a:xfrm>
           <a:prstGeom prst="rect">
@@ -17840,7 +18063,7 @@
         </p:nvSpPr>
         <p:spPr>
           <a:xfrm>
-            <a:off x="1908081" y="5657246"/>
+            <a:off x="1614167" y="5217194"/>
             <a:ext cx="5234940" cy="1020216"/>
           </a:xfrm>
           <a:prstGeom prst="rect">
@@ -17988,7 +18211,7 @@
         </p:nvSpPr>
         <p:spPr>
           <a:xfrm>
-            <a:off x="7794171" y="3429000"/>
+            <a:off x="7500257" y="2988948"/>
             <a:ext cx="1323703" cy="369332"/>
           </a:xfrm>
           <a:prstGeom prst="rect">
@@ -18031,7 +18254,7 @@
         </p:nvSpPr>
         <p:spPr>
           <a:xfrm>
-            <a:off x="7794171" y="4512960"/>
+            <a:off x="7500257" y="4072908"/>
             <a:ext cx="583475" cy="433509"/>
           </a:xfrm>
           <a:prstGeom prst="ellipse">
@@ -18082,7 +18305,7 @@
         </p:nvCxnSpPr>
         <p:spPr>
           <a:xfrm flipV="1">
-            <a:off x="7143021" y="4729715"/>
+            <a:off x="6849107" y="4289663"/>
             <a:ext cx="651150" cy="1437639"/>
           </a:xfrm>
           <a:prstGeom prst="bentConnector3">
@@ -18178,38 +18401,6 @@
       </p:grpSpPr>
       <p:sp>
         <p:nvSpPr>
-          <p:cNvPr id="5" name="바닥글 개체 틀 4">
-            <a:extLst>
-              <a:ext uri="{FF2B5EF4-FFF2-40B4-BE49-F238E27FC236}">
-                <a16:creationId xmlns:a16="http://schemas.microsoft.com/office/drawing/2014/main" id="{521CC3B3-B1D2-D64F-BD06-599FE41C482E}"/>
-              </a:ext>
-            </a:extLst>
-          </p:cNvPr>
-          <p:cNvSpPr>
-            <a:spLocks noGrp="1"/>
-          </p:cNvSpPr>
-          <p:nvPr>
-            <p:ph type="ftr" sz="quarter" idx="11"/>
-          </p:nvPr>
-        </p:nvSpPr>
-        <p:spPr/>
-        <p:txBody>
-          <a:bodyPr/>
-          <a:lstStyle/>
-          <a:p>
-            <a:r>
-              <a:rPr kumimoji="1" lang="en-US" altLang="ko-KR"/>
-              <a:t>Do it! </a:t>
-            </a:r>
-            <a:r>
-              <a:rPr kumimoji="1" lang="ko-KR" altLang="en-US"/>
-              <a:t>자바스크립트 입문</a:t>
-            </a:r>
-          </a:p>
-        </p:txBody>
-      </p:sp>
-      <p:sp>
-        <p:nvSpPr>
           <p:cNvPr id="3" name="TextBox 2">
             <a:extLst>
               <a:ext uri="{FF2B5EF4-FFF2-40B4-BE49-F238E27FC236}">
@@ -18258,8 +18449,8 @@
         </p:nvSpPr>
         <p:spPr>
           <a:xfrm>
-            <a:off x="937674" y="1556108"/>
-            <a:ext cx="6780807" cy="1749710"/>
+            <a:off x="436931" y="1251872"/>
+            <a:ext cx="6780807" cy="1285288"/>
           </a:xfrm>
           <a:prstGeom prst="rect">
             <a:avLst/>
@@ -18271,18 +18462,6 @@
             <a:spAutoFit/>
           </a:bodyPr>
           <a:lstStyle/>
-          <a:p>
-            <a:pPr>
-              <a:lnSpc>
-                <a:spcPct val="150000"/>
-              </a:lnSpc>
-            </a:pPr>
-            <a:r>
-              <a:rPr lang="ko-KR" altLang="en-US" sz="2000" b="1" dirty="0"/>
-              <a:t>논리형</a:t>
-            </a:r>
-            <a:endParaRPr lang="en-US" altLang="ko-KR" sz="2000" b="1" dirty="0"/>
-          </a:p>
           <a:p>
             <a:pPr marL="285750" indent="-285750">
               <a:lnSpc>
@@ -18360,7 +18539,7 @@
         </p:blipFill>
         <p:spPr>
           <a:xfrm>
-            <a:off x="1237955" y="3121152"/>
+            <a:off x="802526" y="2663952"/>
             <a:ext cx="4229690" cy="2829320"/>
           </a:xfrm>
           <a:prstGeom prst="rect">
@@ -18390,7 +18569,7 @@
         </p:blipFill>
         <p:spPr>
           <a:xfrm>
-            <a:off x="6182997" y="3121152"/>
+            <a:off x="5801997" y="2668607"/>
             <a:ext cx="4115374" cy="2067213"/>
           </a:xfrm>
           <a:prstGeom prst="rect">
@@ -18432,7 +18611,7 @@
                 <a:ea typeface="KoPubWorld돋움체 Bold" panose="00000800000000000000" pitchFamily="2" charset="-127"/>
                 <a:cs typeface="KoPubWorld돋움체 Bold" panose="00000800000000000000" pitchFamily="2" charset="-127"/>
               </a:rPr>
-              <a:t>자료형 이해하기</a:t>
+              <a:t>논리형</a:t>
             </a:r>
           </a:p>
         </p:txBody>
@@ -18481,7 +18660,7 @@
         </p:nvSpPr>
         <p:spPr>
           <a:xfrm>
-            <a:off x="740773" y="1335133"/>
+            <a:off x="441416" y="1370855"/>
             <a:ext cx="9018270" cy="2116285"/>
           </a:xfrm>
           <a:prstGeom prst="rect">
@@ -18708,8 +18887,8 @@
         </p:blipFill>
         <p:spPr>
           <a:xfrm>
-            <a:off x="1103812" y="3485643"/>
-            <a:ext cx="6193971" cy="3051774"/>
+            <a:off x="5181084" y="3287486"/>
+            <a:ext cx="6764900" cy="3333071"/>
           </a:xfrm>
           <a:prstGeom prst="rect">
             <a:avLst/>
@@ -18856,8 +19035,8 @@
         </p:nvSpPr>
         <p:spPr>
           <a:xfrm>
-            <a:off x="455474" y="1332079"/>
-            <a:ext cx="11281052" cy="4999638"/>
+            <a:off x="401045" y="1196008"/>
+            <a:ext cx="11281052" cy="1498207"/>
           </a:xfrm>
           <a:prstGeom prst="rect">
             <a:avLst/>
@@ -19034,96 +19213,96 @@
           <a:p>
             <a:pPr lvl="1"/>
             <a:r>
-              <a:rPr lang="ko-KR" altLang="en-US">
+              <a:rPr lang="ko-KR" altLang="en-US" dirty="0">
                 <a:latin typeface="+mn-ea"/>
               </a:rPr>
               <a:t>불 자료형</a:t>
             </a:r>
-            <a:endParaRPr lang="en-US" altLang="ko-KR">
+            <a:endParaRPr lang="en-US" altLang="ko-KR" dirty="0">
               <a:latin typeface="+mn-ea"/>
             </a:endParaRPr>
           </a:p>
           <a:p>
             <a:pPr lvl="2"/>
             <a:r>
-              <a:rPr lang="ko-KR" altLang="en-US">
+              <a:rPr lang="ko-KR" altLang="en-US" dirty="0">
                 <a:latin typeface="+mn-ea"/>
               </a:rPr>
               <a:t>자바스크립트에서는 참과 거짓 값을 표현할 때 불 자료형을 사용</a:t>
             </a:r>
-            <a:endParaRPr lang="en-US" altLang="ko-KR">
+            <a:endParaRPr lang="en-US" altLang="ko-KR" dirty="0">
               <a:latin typeface="+mn-ea"/>
             </a:endParaRPr>
           </a:p>
           <a:p>
             <a:pPr lvl="2"/>
             <a:r>
-              <a:rPr lang="ko-KR" altLang="en-US">
+              <a:rPr lang="ko-KR" altLang="en-US" dirty="0">
                 <a:latin typeface="+mn-ea"/>
               </a:rPr>
               <a:t>불 만들기</a:t>
             </a:r>
-            <a:endParaRPr lang="en-US" altLang="ko-KR">
+            <a:endParaRPr lang="en-US" altLang="ko-KR" dirty="0">
               <a:latin typeface="+mn-ea"/>
             </a:endParaRPr>
           </a:p>
           <a:p>
             <a:pPr lvl="3"/>
             <a:r>
-              <a:rPr lang="ko-KR" altLang="en-US">
+              <a:rPr lang="ko-KR" altLang="en-US" dirty="0">
                 <a:latin typeface="+mn-ea"/>
               </a:rPr>
               <a:t>비교 연산자</a:t>
             </a:r>
-            <a:endParaRPr lang="en-US" altLang="ko-KR">
+            <a:endParaRPr lang="en-US" altLang="ko-KR" dirty="0">
               <a:latin typeface="+mn-ea"/>
             </a:endParaRPr>
           </a:p>
           <a:p>
             <a:pPr lvl="2"/>
-            <a:endParaRPr lang="en-US" altLang="ko-KR">
+            <a:endParaRPr lang="en-US" altLang="ko-KR" dirty="0">
               <a:latin typeface="+mn-ea"/>
             </a:endParaRPr>
           </a:p>
           <a:p>
             <a:pPr lvl="2"/>
-            <a:endParaRPr lang="en-US" altLang="ko-KR">
+            <a:endParaRPr lang="en-US" altLang="ko-KR" dirty="0">
               <a:latin typeface="+mn-ea"/>
             </a:endParaRPr>
           </a:p>
           <a:p>
             <a:pPr lvl="2"/>
-            <a:endParaRPr lang="en-US" altLang="ko-KR">
+            <a:endParaRPr lang="en-US" altLang="ko-KR" dirty="0">
               <a:latin typeface="+mn-ea"/>
             </a:endParaRPr>
           </a:p>
           <a:p>
             <a:pPr lvl="2"/>
-            <a:endParaRPr lang="en-US" altLang="ko-KR" sz="1600">
+            <a:endParaRPr lang="en-US" altLang="ko-KR" sz="1600" dirty="0">
               <a:latin typeface="+mn-ea"/>
             </a:endParaRPr>
           </a:p>
           <a:p>
             <a:pPr lvl="1"/>
-            <a:endParaRPr lang="en-US" altLang="ko-KR" sz="1600">
+            <a:endParaRPr lang="en-US" altLang="ko-KR" sz="1600" dirty="0">
               <a:latin typeface="+mn-ea"/>
             </a:endParaRPr>
           </a:p>
           <a:p>
             <a:pPr lvl="1"/>
-            <a:endParaRPr lang="en-US" altLang="ko-KR" sz="1600">
+            <a:endParaRPr lang="en-US" altLang="ko-KR" sz="1600" dirty="0">
               <a:latin typeface="+mn-ea"/>
             </a:endParaRPr>
           </a:p>
           <a:p>
             <a:pPr lvl="1"/>
-            <a:endParaRPr lang="en-US" altLang="ko-KR" sz="1600">
+            <a:endParaRPr lang="en-US" altLang="ko-KR" sz="1600" dirty="0">
               <a:latin typeface="+mn-ea"/>
             </a:endParaRPr>
           </a:p>
           <a:p>
             <a:pPr lvl="1"/>
-            <a:endParaRPr lang="en-US" altLang="ko-KR" sz="1600">
+            <a:endParaRPr lang="en-US" altLang="ko-KR" sz="1600" dirty="0">
               <a:latin typeface="+mn-ea"/>
             </a:endParaRPr>
           </a:p>
@@ -22476,7 +22655,7 @@
         </p:nvSpPr>
         <p:spPr>
           <a:xfrm>
-            <a:off x="6607245" y="601852"/>
+            <a:off x="6030302" y="623624"/>
             <a:ext cx="4480560" cy="461665"/>
           </a:xfrm>
           <a:prstGeom prst="rect">
@@ -22520,7 +22699,7 @@
         </p:nvSpPr>
         <p:spPr>
           <a:xfrm>
-            <a:off x="6743052" y="1344786"/>
+            <a:off x="6166109" y="1366558"/>
             <a:ext cx="4739640" cy="1531830"/>
           </a:xfrm>
           <a:prstGeom prst="rect">
@@ -22614,10 +22793,16 @@
           <p:cNvGraphicFramePr>
             <a:graphicFrameLocks noGrp="1"/>
           </p:cNvGraphicFramePr>
-          <p:nvPr/>
+          <p:nvPr>
+            <p:extLst>
+              <p:ext uri="{D42A27DB-BD31-4B8C-83A1-F6EECF244321}">
+                <p14:modId xmlns:p14="http://schemas.microsoft.com/office/powerpoint/2010/main" val="2865593168"/>
+              </p:ext>
+            </p:extLst>
+          </p:nvPr>
         </p:nvGraphicFramePr>
         <p:xfrm>
-          <a:off x="6373404" y="3210037"/>
+          <a:off x="6166109" y="3324337"/>
           <a:ext cx="5610860" cy="1701449"/>
         </p:xfrm>
         <a:graphic>
@@ -22736,7 +22921,7 @@
                     <a:lstStyle/>
                     <a:p>
                       <a:r>
-                        <a:rPr lang="ko-Kore-KR" altLang="en-US" sz="1400">
+                        <a:rPr lang="ko-Kore-KR" altLang="en-US" sz="1400" dirty="0">
                           <a:latin typeface="+mn-ea"/>
                           <a:ea typeface="+mn-ea"/>
                         </a:rPr>
@@ -22749,7 +22934,7 @@
                         </a:rPr>
                         <a:t> 사용자의 실수에 의해 발생</a:t>
                       </a:r>
-                      <a:endParaRPr lang="ko-Kore-KR" altLang="en-US" sz="1400">
+                      <a:endParaRPr lang="ko-Kore-KR" altLang="en-US" sz="1400" dirty="0">
                         <a:latin typeface="+mn-ea"/>
                         <a:ea typeface="+mn-ea"/>
                       </a:endParaRPr>
@@ -22884,38 +23069,6 @@
       </p:grpSpPr>
       <p:sp>
         <p:nvSpPr>
-          <p:cNvPr id="5" name="바닥글 개체 틀 4">
-            <a:extLst>
-              <a:ext uri="{FF2B5EF4-FFF2-40B4-BE49-F238E27FC236}">
-                <a16:creationId xmlns:a16="http://schemas.microsoft.com/office/drawing/2014/main" id="{521CC3B3-B1D2-D64F-BD06-599FE41C482E}"/>
-              </a:ext>
-            </a:extLst>
-          </p:cNvPr>
-          <p:cNvSpPr>
-            <a:spLocks noGrp="1"/>
-          </p:cNvSpPr>
-          <p:nvPr>
-            <p:ph type="ftr" sz="quarter" idx="11"/>
-          </p:nvPr>
-        </p:nvSpPr>
-        <p:spPr/>
-        <p:txBody>
-          <a:bodyPr/>
-          <a:lstStyle/>
-          <a:p>
-            <a:r>
-              <a:rPr kumimoji="1" lang="en-US" altLang="ko-KR"/>
-              <a:t>Do it! </a:t>
-            </a:r>
-            <a:r>
-              <a:rPr kumimoji="1" lang="ko-KR" altLang="en-US"/>
-              <a:t>자바스크립트 입문</a:t>
-            </a:r>
-          </a:p>
-        </p:txBody>
-      </p:sp>
-      <p:sp>
-        <p:nvSpPr>
           <p:cNvPr id="3" name="TextBox 2">
             <a:extLst>
               <a:ext uri="{FF2B5EF4-FFF2-40B4-BE49-F238E27FC236}">
@@ -22928,7 +23081,7 @@
         </p:nvSpPr>
         <p:spPr>
           <a:xfrm>
-            <a:off x="7476108" y="3121152"/>
+            <a:off x="7187637" y="2555095"/>
             <a:ext cx="242374" cy="369332"/>
           </a:xfrm>
           <a:prstGeom prst="rect">
@@ -22964,7 +23117,7 @@
         </p:nvSpPr>
         <p:spPr>
           <a:xfrm>
-            <a:off x="763107" y="1743339"/>
+            <a:off x="474636" y="1177282"/>
             <a:ext cx="9627801" cy="1331455"/>
           </a:xfrm>
           <a:prstGeom prst="rect">
@@ -23046,8 +23199,8 @@
         </p:nvSpPr>
         <p:spPr>
           <a:xfrm>
-            <a:off x="838199" y="3640597"/>
-            <a:ext cx="7973291" cy="915956"/>
+            <a:off x="549728" y="3074540"/>
+            <a:ext cx="6112329" cy="915956"/>
           </a:xfrm>
           <a:prstGeom prst="rect">
             <a:avLst/>
@@ -23120,7 +23273,7 @@
         </p:blipFill>
         <p:spPr>
           <a:xfrm>
-            <a:off x="6600162" y="3429000"/>
+            <a:off x="6975719" y="2924427"/>
             <a:ext cx="4753638" cy="2791215"/>
           </a:xfrm>
           <a:prstGeom prst="rect">
@@ -23642,14 +23795,30 @@
               <a:buChar char="•"/>
             </a:pPr>
             <a:r>
-              <a:rPr lang="en-US" altLang="ko-Kore-KR" sz="1600" dirty="0"/>
+              <a:rPr lang="en-US" altLang="ko-Kore-KR" sz="1600" dirty="0">
+                <a:solidFill>
+                  <a:srgbClr val="FF0000"/>
+                </a:solidFill>
+              </a:rPr>
               <a:t>ES6</a:t>
             </a:r>
             <a:r>
               <a:rPr lang="ko-KR" altLang="ko-Kore-KR" sz="1600" dirty="0"/>
-              <a:t>에 새롭게 추가된 원시 유형의 자료형</a:t>
-            </a:r>
-            <a:endParaRPr lang="en-US" altLang="ko-KR" sz="1600" dirty="0"/>
+              <a:t>에 새롭게 추가된 </a:t>
+            </a:r>
+            <a:r>
+              <a:rPr lang="ko-KR" altLang="ko-Kore-KR" sz="1600" dirty="0">
+                <a:solidFill>
+                  <a:srgbClr val="FF0000"/>
+                </a:solidFill>
+              </a:rPr>
+              <a:t>원시 유형의 자료형</a:t>
+            </a:r>
+            <a:endParaRPr lang="en-US" altLang="ko-KR" sz="1600" dirty="0">
+              <a:solidFill>
+                <a:srgbClr val="FF0000"/>
+              </a:solidFill>
+            </a:endParaRPr>
           </a:p>
           <a:p>
             <a:pPr marL="285750" indent="-285750">
@@ -23661,7 +23830,19 @@
             </a:pPr>
             <a:r>
               <a:rPr lang="ko-KR" altLang="ko-Kore-KR" sz="1600" dirty="0"/>
-              <a:t>심볼의 가장 큰 특징은 유일성을 보장한다는 것</a:t>
+              <a:t>심볼의 가장 큰 특징은 </a:t>
+            </a:r>
+            <a:r>
+              <a:rPr lang="ko-KR" altLang="ko-Kore-KR" sz="1600" dirty="0">
+                <a:solidFill>
+                  <a:srgbClr val="FF0000"/>
+                </a:solidFill>
+              </a:rPr>
+              <a:t>유일성</a:t>
+            </a:r>
+            <a:r>
+              <a:rPr lang="ko-KR" altLang="ko-Kore-KR" sz="1600" dirty="0"/>
+              <a:t>을 보장한다는 것</a:t>
             </a:r>
             <a:endParaRPr lang="en-US" altLang="ko-KR" sz="1600" dirty="0"/>
           </a:p>
@@ -24504,32 +24685,44 @@
               <a:buChar char="•"/>
             </a:pPr>
             <a:r>
-              <a:rPr lang="ko-KR" altLang="ko-Kore-KR" sz="1600"/>
-              <a:t>심볼을 키로 사용할 때에는 </a:t>
-            </a:r>
-            <a:r>
-              <a:rPr lang="en-US" altLang="ko-Kore-KR" sz="1600"/>
+              <a:rPr lang="ko-KR" altLang="ko-Kore-KR" sz="1600" dirty="0"/>
+              <a:t>심볼을 </a:t>
+            </a:r>
+            <a:r>
+              <a:rPr lang="ko-KR" altLang="ko-Kore-KR" sz="1600" dirty="0">
+                <a:solidFill>
+                  <a:srgbClr val="FF0000"/>
+                </a:solidFill>
+              </a:rPr>
+              <a:t>키</a:t>
+            </a:r>
+            <a:r>
+              <a:rPr lang="ko-KR" altLang="ko-Kore-KR" sz="1600" dirty="0"/>
+              <a:t>로 사용할 때에는 </a:t>
+            </a:r>
+            <a:r>
+              <a:rPr lang="en-US" altLang="ko-Kore-KR" sz="1600" dirty="0"/>
               <a:t>[</a:t>
             </a:r>
             <a:r>
-              <a:rPr lang="ko-KR" altLang="ko-Kore-KR" sz="1600"/>
+              <a:rPr lang="ko-KR" altLang="ko-Kore-KR" sz="1600" dirty="0"/>
               <a:t>키</a:t>
             </a:r>
             <a:r>
-              <a:rPr lang="en-US" altLang="ko-Kore-KR" sz="1600"/>
+              <a:rPr lang="en-US" altLang="ko-Kore-KR" sz="1600" dirty="0"/>
               <a:t>]</a:t>
             </a:r>
             <a:r>
-              <a:rPr lang="ko-KR" altLang="ko-Kore-KR" sz="1600"/>
+              <a:rPr lang="ko-KR" altLang="ko-Kore-KR" sz="1600" dirty="0"/>
               <a:t>처럼 대괄호로 묶어서 표현</a:t>
             </a:r>
             <a:r>
-              <a:rPr lang="ko-Kore-KR" altLang="ko-Kore-KR" sz="1600">
+              <a:rPr lang="ko-Kore-KR" altLang="ko-Kore-KR" sz="1600" dirty="0">
                 <a:effectLst/>
               </a:rPr>
               <a:t> </a:t>
             </a:r>
-            <a:endParaRPr lang="en-US" altLang="ko-Kore-KR" sz="1600">
+            <a:endParaRPr lang="en-US" altLang="ko-Kore-KR" sz="1600" dirty="0">
               <a:effectLst/>
             </a:endParaRPr>
           </a:p>
@@ -24542,14 +24735,14 @@
               <a:buChar char="•"/>
             </a:pPr>
             <a:r>
-              <a:rPr lang="ko-Kore-KR" altLang="en-US" sz="1600"/>
+              <a:rPr lang="ko-Kore-KR" altLang="en-US" sz="1600" dirty="0"/>
               <a:t>키에</a:t>
             </a:r>
             <a:r>
               <a:rPr lang="ko-KR" altLang="en-US" sz="1600"/>
               <a:t> 접근할 때도 마침표가 아닌 대괄호 사용</a:t>
             </a:r>
-            <a:endParaRPr lang="ko-Kore-KR" altLang="en-US" sz="1600"/>
+            <a:endParaRPr lang="ko-Kore-KR" altLang="en-US" sz="1600" dirty="0"/>
           </a:p>
         </p:txBody>
       </p:sp>
@@ -25493,8 +25686,8 @@
         </p:nvSpPr>
         <p:spPr>
           <a:xfrm>
-            <a:off x="2351584" y="1484784"/>
-            <a:ext cx="7488832" cy="5016758"/>
+            <a:off x="559084" y="1326941"/>
+            <a:ext cx="10881801" cy="5016758"/>
           </a:xfrm>
           <a:prstGeom prst="rect">
             <a:avLst/>
@@ -26084,8 +26277,8 @@
         </p:nvSpPr>
         <p:spPr>
           <a:xfrm>
-            <a:off x="514229" y="1179679"/>
-            <a:ext cx="11281052" cy="4999638"/>
+            <a:off x="536001" y="1620550"/>
+            <a:ext cx="11281052" cy="4078121"/>
           </a:xfrm>
           <a:prstGeom prst="rect">
             <a:avLst/>
@@ -26260,16 +26453,9 @@
             </a:lvl9pPr>
           </a:lstStyle>
           <a:p>
-            <a:r>
-              <a:rPr lang="ko-KR" altLang="en-US"/>
-              <a:t>불 입력</a:t>
-            </a:r>
-            <a:endParaRPr lang="en-US" altLang="ko-KR"/>
-          </a:p>
-          <a:p>
             <a:pPr lvl="1"/>
             <a:r>
-              <a:rPr lang="en-US" altLang="ko-KR" sz="1600">
+              <a:rPr lang="en-US" altLang="ko-KR" sz="1600" dirty="0">
                 <a:solidFill>
                   <a:srgbClr val="000000"/>
                 </a:solidFill>
@@ -26278,7 +26464,7 @@
               <a:t>confirm() </a:t>
             </a:r>
             <a:r>
-              <a:rPr lang="ko-KR" altLang="en-US" sz="1600">
+              <a:rPr lang="ko-KR" altLang="en-US" sz="1600" dirty="0">
                 <a:solidFill>
                   <a:srgbClr val="000000"/>
                 </a:solidFill>
@@ -26287,7 +26473,7 @@
               <a:t>함수는 </a:t>
             </a:r>
             <a:r>
-              <a:rPr lang="en-US" altLang="ko-KR" sz="1600">
+              <a:rPr lang="en-US" altLang="ko-KR" sz="1600" dirty="0">
                 <a:solidFill>
                   <a:srgbClr val="000000"/>
                 </a:solidFill>
@@ -26296,7 +26482,7 @@
               <a:t>prompt() </a:t>
             </a:r>
             <a:r>
-              <a:rPr lang="ko-KR" altLang="en-US" sz="1600">
+              <a:rPr lang="ko-KR" altLang="en-US" sz="1600" dirty="0">
                 <a:solidFill>
                   <a:srgbClr val="000000"/>
                 </a:solidFill>
@@ -26305,7 +26491,7 @@
               <a:t>함수와 비슷한 형태로 사용</a:t>
             </a:r>
             <a:r>
-              <a:rPr lang="en-US" altLang="ko-KR" sz="1600">
+              <a:rPr lang="en-US" altLang="ko-KR" sz="1600" dirty="0">
                 <a:solidFill>
                   <a:srgbClr val="000000"/>
                 </a:solidFill>
@@ -26314,7 +26500,7 @@
               <a:t>(</a:t>
             </a:r>
             <a:r>
-              <a:rPr lang="ko-KR" altLang="en-US" sz="1600">
+              <a:rPr lang="ko-KR" altLang="en-US" sz="1600" dirty="0">
                 <a:solidFill>
                   <a:srgbClr val="000000"/>
                 </a:solidFill>
@@ -26323,7 +26509,7 @@
               <a:t>소스 코드 </a:t>
             </a:r>
             <a:r>
-              <a:rPr lang="en-US" altLang="ko-KR" sz="1600">
+              <a:rPr lang="en-US" altLang="ko-KR" sz="1600" dirty="0">
                 <a:solidFill>
                   <a:srgbClr val="000000"/>
                 </a:solidFill>
@@ -26331,146 +26517,164 @@
               </a:rPr>
               <a:t>2-3-2.html)</a:t>
             </a:r>
-            <a:endParaRPr lang="en-US" altLang="ko-KR" sz="1600">
+            <a:endParaRPr lang="en-US" altLang="ko-KR" sz="1600" dirty="0">
               <a:latin typeface="+mn-ea"/>
             </a:endParaRPr>
           </a:p>
           <a:p>
             <a:pPr lvl="1"/>
-            <a:endParaRPr lang="en-US" altLang="ko-KR" sz="1600">
+            <a:endParaRPr lang="en-US" altLang="ko-KR" sz="1600" dirty="0">
               <a:latin typeface="+mn-ea"/>
             </a:endParaRPr>
           </a:p>
           <a:p>
             <a:pPr lvl="1"/>
-            <a:endParaRPr lang="en-US" altLang="ko-KR" sz="1600">
+            <a:endParaRPr lang="en-US" altLang="ko-KR" sz="1600" dirty="0">
               <a:latin typeface="+mn-ea"/>
             </a:endParaRPr>
           </a:p>
           <a:p>
             <a:pPr lvl="1"/>
-            <a:endParaRPr lang="en-US" altLang="ko-KR" sz="1600">
+            <a:endParaRPr lang="en-US" altLang="ko-KR" sz="1600" dirty="0">
               <a:latin typeface="+mn-ea"/>
             </a:endParaRPr>
           </a:p>
           <a:p>
             <a:pPr lvl="1"/>
-            <a:endParaRPr lang="en-US" altLang="ko-KR" sz="1600">
+            <a:endParaRPr lang="en-US" altLang="ko-KR" sz="1600" dirty="0">
               <a:latin typeface="+mn-ea"/>
             </a:endParaRPr>
           </a:p>
           <a:p>
             <a:pPr lvl="1"/>
-            <a:endParaRPr lang="en-US" altLang="ko-KR" sz="1600">
+            <a:endParaRPr lang="en-US" altLang="ko-KR" sz="1600" dirty="0">
               <a:latin typeface="+mn-ea"/>
             </a:endParaRPr>
           </a:p>
           <a:p>
             <a:pPr lvl="1"/>
-            <a:endParaRPr lang="en-US" altLang="ko-KR" sz="1600">
+            <a:endParaRPr lang="en-US" altLang="ko-KR" sz="1600" dirty="0">
               <a:latin typeface="+mn-ea"/>
             </a:endParaRPr>
           </a:p>
           <a:p>
             <a:pPr lvl="1"/>
-            <a:endParaRPr lang="en-US" altLang="ko-KR" sz="1600">
+            <a:endParaRPr lang="en-US" altLang="ko-KR" sz="1600" dirty="0">
               <a:latin typeface="+mn-ea"/>
             </a:endParaRPr>
           </a:p>
           <a:p>
             <a:pPr lvl="1"/>
-            <a:r>
-              <a:rPr lang="en-US" altLang="ko-KR" sz="1600">
-                <a:latin typeface="+mn-ea"/>
-              </a:rPr>
-              <a:t>confirm() </a:t>
-            </a:r>
-            <a:r>
-              <a:rPr lang="ko-KR" altLang="en-US" sz="1600">
-                <a:latin typeface="+mn-ea"/>
-              </a:rPr>
-              <a:t>함수를 사용하면 사용자에게 확인을 요구하는 메시지 창이 나타남</a:t>
-            </a:r>
-            <a:endParaRPr lang="en-US" altLang="ko-KR" sz="1600">
+            <a:endParaRPr lang="en-US" altLang="ko-KR" sz="1600" dirty="0">
               <a:latin typeface="+mn-ea"/>
             </a:endParaRPr>
           </a:p>
           <a:p>
             <a:pPr lvl="1"/>
-            <a:r>
-              <a:rPr lang="ko-KR" altLang="en-US" sz="1600">
+            <a:endParaRPr lang="en-US" altLang="ko-KR" sz="1600" dirty="0">
+              <a:latin typeface="+mn-ea"/>
+            </a:endParaRPr>
+          </a:p>
+          <a:p>
+            <a:pPr lvl="1"/>
+            <a:endParaRPr lang="en-US" altLang="ko-KR" sz="1600" dirty="0">
+              <a:latin typeface="+mn-ea"/>
+            </a:endParaRPr>
+          </a:p>
+          <a:p>
+            <a:pPr lvl="1"/>
+            <a:r>
+              <a:rPr lang="en-US" altLang="ko-KR" sz="1600" dirty="0">
                 <a:latin typeface="+mn-ea"/>
               </a:rPr>
+              <a:t>confirm() </a:t>
+            </a:r>
+            <a:r>
+              <a:rPr lang="ko-KR" altLang="en-US" sz="1600" dirty="0">
+                <a:latin typeface="+mn-ea"/>
+              </a:rPr>
+              <a:t>함수를 사용하면 사용자에게 확인을 요구하는 메시지 창이 나타남</a:t>
+            </a:r>
+            <a:endParaRPr lang="en-US" altLang="ko-KR" sz="1600" dirty="0">
+              <a:latin typeface="+mn-ea"/>
+            </a:endParaRPr>
+          </a:p>
+          <a:p>
+            <a:pPr lvl="1"/>
+            <a:r>
+              <a:rPr lang="ko-KR" altLang="en-US" sz="1600" dirty="0">
+                <a:latin typeface="+mn-ea"/>
+              </a:rPr>
               <a:t>사용자가 </a:t>
             </a:r>
             <a:r>
-              <a:rPr lang="en-US" altLang="ko-KR" sz="1600">
+              <a:rPr lang="en-US" altLang="ko-KR" sz="1600" dirty="0">
                 <a:latin typeface="+mn-ea"/>
               </a:rPr>
               <a:t>[</a:t>
             </a:r>
             <a:r>
-              <a:rPr lang="ko-KR" altLang="en-US" sz="1600">
+              <a:rPr lang="ko-KR" altLang="en-US" sz="1600" dirty="0">
                 <a:latin typeface="+mn-ea"/>
               </a:rPr>
               <a:t>확인</a:t>
             </a:r>
             <a:r>
-              <a:rPr lang="en-US" altLang="ko-KR" sz="1600">
+              <a:rPr lang="en-US" altLang="ko-KR" sz="1600" dirty="0">
                 <a:latin typeface="+mn-ea"/>
               </a:rPr>
               <a:t>] </a:t>
             </a:r>
             <a:r>
-              <a:rPr lang="ko-KR" altLang="en-US" sz="1600">
+              <a:rPr lang="ko-KR" altLang="en-US" sz="1600" dirty="0">
                 <a:latin typeface="+mn-ea"/>
               </a:rPr>
               <a:t>버튼을 클릭하면 </a:t>
             </a:r>
             <a:r>
-              <a:rPr lang="en-US" altLang="ko-KR" sz="1600">
+              <a:rPr lang="en-US" altLang="ko-KR" sz="1600" dirty="0">
                 <a:latin typeface="+mn-ea"/>
               </a:rPr>
               <a:t>true</a:t>
             </a:r>
             <a:r>
-              <a:rPr lang="ko-KR" altLang="en-US" sz="1600">
+              <a:rPr lang="ko-KR" altLang="en-US" sz="1600" dirty="0">
                 <a:latin typeface="+mn-ea"/>
               </a:rPr>
               <a:t>를 리턴하고</a:t>
             </a:r>
             <a:r>
-              <a:rPr lang="en-US" altLang="ko-KR" sz="1600">
+              <a:rPr lang="en-US" altLang="ko-KR" sz="1600" dirty="0">
                 <a:latin typeface="+mn-ea"/>
               </a:rPr>
               <a:t>, [</a:t>
             </a:r>
             <a:r>
-              <a:rPr lang="ko-KR" altLang="en-US" sz="1600">
+              <a:rPr lang="ko-KR" altLang="en-US" sz="1600" dirty="0">
                 <a:latin typeface="+mn-ea"/>
               </a:rPr>
               <a:t>취소</a:t>
             </a:r>
             <a:r>
-              <a:rPr lang="en-US" altLang="ko-KR" sz="1600">
+              <a:rPr lang="en-US" altLang="ko-KR" sz="1600" dirty="0">
                 <a:latin typeface="+mn-ea"/>
               </a:rPr>
               <a:t>] </a:t>
             </a:r>
             <a:r>
-              <a:rPr lang="ko-KR" altLang="en-US" sz="1600">
+              <a:rPr lang="ko-KR" altLang="en-US" sz="1600" dirty="0">
                 <a:latin typeface="+mn-ea"/>
               </a:rPr>
               <a:t>버튼을 클릭하면 </a:t>
             </a:r>
             <a:r>
-              <a:rPr lang="en-US" altLang="ko-KR" sz="1600">
+              <a:rPr lang="en-US" altLang="ko-KR" sz="1600" dirty="0">
                 <a:latin typeface="+mn-ea"/>
               </a:rPr>
               <a:t>false</a:t>
             </a:r>
             <a:r>
-              <a:rPr lang="ko-KR" altLang="en-US" sz="1600">
+              <a:rPr lang="ko-KR" altLang="en-US" sz="1600" dirty="0">
                 <a:latin typeface="+mn-ea"/>
               </a:rPr>
               <a:t>를 리턴</a:t>
@@ -27111,7 +27315,7 @@
                   <a:schemeClr val="bg1"/>
                 </a:solidFill>
               </a:rPr>
-              <a:t>심볼</a:t>
+              <a:t>객체</a:t>
             </a:r>
             <a:endParaRPr sz="5000" dirty="0">
               <a:solidFill>
@@ -27153,38 +27357,6 @@
       </p:grpSpPr>
       <p:sp>
         <p:nvSpPr>
-          <p:cNvPr id="5" name="바닥글 개체 틀 4">
-            <a:extLst>
-              <a:ext uri="{FF2B5EF4-FFF2-40B4-BE49-F238E27FC236}">
-                <a16:creationId xmlns:a16="http://schemas.microsoft.com/office/drawing/2014/main" id="{521CC3B3-B1D2-D64F-BD06-599FE41C482E}"/>
-              </a:ext>
-            </a:extLst>
-          </p:cNvPr>
-          <p:cNvSpPr>
-            <a:spLocks noGrp="1"/>
-          </p:cNvSpPr>
-          <p:nvPr>
-            <p:ph type="ftr" sz="quarter" idx="11"/>
-          </p:nvPr>
-        </p:nvSpPr>
-        <p:spPr/>
-        <p:txBody>
-          <a:bodyPr/>
-          <a:lstStyle/>
-          <a:p>
-            <a:r>
-              <a:rPr kumimoji="1" lang="en-US" altLang="ko-KR"/>
-              <a:t>Do it! </a:t>
-            </a:r>
-            <a:r>
-              <a:rPr kumimoji="1" lang="ko-KR" altLang="en-US"/>
-              <a:t>자바스크립트 입문</a:t>
-            </a:r>
-          </a:p>
-        </p:txBody>
-      </p:sp>
-      <p:sp>
-        <p:nvSpPr>
           <p:cNvPr id="3" name="TextBox 2">
             <a:extLst>
               <a:ext uri="{FF2B5EF4-FFF2-40B4-BE49-F238E27FC236}">
@@ -27233,8 +27405,8 @@
         </p:nvSpPr>
         <p:spPr>
           <a:xfrm>
-            <a:off x="1054054" y="1556108"/>
-            <a:ext cx="8741664" cy="1749710"/>
+            <a:off x="477111" y="1093465"/>
+            <a:ext cx="8741664" cy="1285288"/>
           </a:xfrm>
           <a:prstGeom prst="rect">
             <a:avLst/>
@@ -27246,18 +27418,6 @@
             <a:spAutoFit/>
           </a:bodyPr>
           <a:lstStyle/>
-          <a:p>
-            <a:pPr>
-              <a:lnSpc>
-                <a:spcPct val="150000"/>
-              </a:lnSpc>
-            </a:pPr>
-            <a:r>
-              <a:rPr lang="ko-KR" altLang="en-US" sz="2000" b="1" dirty="0"/>
-              <a:t>객체</a:t>
-            </a:r>
-            <a:endParaRPr lang="en-US" altLang="ko-KR" sz="2000" b="1" dirty="0"/>
-          </a:p>
           <a:p>
             <a:pPr marL="285750" indent="-285750">
               <a:lnSpc>
@@ -27352,7 +27512,7 @@
         </p:blipFill>
         <p:spPr>
           <a:xfrm>
-            <a:off x="1203061" y="3191670"/>
+            <a:off x="593461" y="2284305"/>
             <a:ext cx="4349841" cy="2289390"/>
           </a:xfrm>
           <a:prstGeom prst="rect">
@@ -27394,7 +27554,7 @@
                 <a:ea typeface="KoPubWorld돋움체 Bold" panose="00000800000000000000" pitchFamily="2" charset="-127"/>
                 <a:cs typeface="KoPubWorld돋움체 Bold" panose="00000800000000000000" pitchFamily="2" charset="-127"/>
               </a:rPr>
-              <a:t>자료형 이해하기</a:t>
+              <a:t>객체 자료형</a:t>
             </a:r>
           </a:p>
         </p:txBody>
@@ -27431,38 +27591,6 @@
       </p:grpSpPr>
       <p:sp>
         <p:nvSpPr>
-          <p:cNvPr id="5" name="바닥글 개체 틀 4">
-            <a:extLst>
-              <a:ext uri="{FF2B5EF4-FFF2-40B4-BE49-F238E27FC236}">
-                <a16:creationId xmlns:a16="http://schemas.microsoft.com/office/drawing/2014/main" id="{521CC3B3-B1D2-D64F-BD06-599FE41C482E}"/>
-              </a:ext>
-            </a:extLst>
-          </p:cNvPr>
-          <p:cNvSpPr>
-            <a:spLocks noGrp="1"/>
-          </p:cNvSpPr>
-          <p:nvPr>
-            <p:ph type="ftr" sz="quarter" idx="11"/>
-          </p:nvPr>
-        </p:nvSpPr>
-        <p:spPr/>
-        <p:txBody>
-          <a:bodyPr/>
-          <a:lstStyle/>
-          <a:p>
-            <a:r>
-              <a:rPr kumimoji="1" lang="en-US" altLang="ko-KR"/>
-              <a:t>Do it! </a:t>
-            </a:r>
-            <a:r>
-              <a:rPr kumimoji="1" lang="ko-KR" altLang="en-US"/>
-              <a:t>자바스크립트 입문</a:t>
-            </a:r>
-          </a:p>
-        </p:txBody>
-      </p:sp>
-      <p:sp>
-        <p:nvSpPr>
           <p:cNvPr id="6" name="TextBox 5">
             <a:extLst>
               <a:ext uri="{FF2B5EF4-FFF2-40B4-BE49-F238E27FC236}">
@@ -27475,8 +27603,8 @@
         </p:nvSpPr>
         <p:spPr>
           <a:xfrm>
-            <a:off x="921050" y="2699814"/>
-            <a:ext cx="7912608" cy="1261884"/>
+            <a:off x="306647" y="1833042"/>
+            <a:ext cx="2262382" cy="400110"/>
           </a:xfrm>
           <a:prstGeom prst="rect">
             <a:avLst/>
@@ -27490,19 +27618,10 @@
           <a:lstStyle/>
           <a:p>
             <a:r>
-              <a:rPr lang="ko-KR" altLang="en-US" sz="2000" b="1"/>
+              <a:rPr lang="ko-KR" altLang="en-US" sz="2000" b="1" dirty="0"/>
               <a:t>자료형의 종류</a:t>
             </a:r>
-            <a:endParaRPr lang="en-US" altLang="ko-KR" sz="2000" b="1"/>
-          </a:p>
-          <a:p>
-            <a:endParaRPr lang="en" altLang="ko-KR" sz="2000" b="1"/>
-          </a:p>
-          <a:p>
-            <a:endParaRPr kumimoji="1" lang="en-US" altLang="ko-KR"/>
-          </a:p>
-          <a:p>
-            <a:endParaRPr kumimoji="1" lang="ko-KR" altLang="en-US"/>
+            <a:endParaRPr kumimoji="1" lang="ko-KR" altLang="en-US" dirty="0"/>
           </a:p>
         </p:txBody>
       </p:sp>
@@ -27556,7 +27675,7 @@
         </p:nvSpPr>
         <p:spPr>
           <a:xfrm>
-            <a:off x="921050" y="1794510"/>
+            <a:off x="306647" y="1323661"/>
             <a:ext cx="7912608" cy="400110"/>
           </a:xfrm>
           <a:prstGeom prst="rect">
@@ -27608,8 +27727,8 @@
         </p:blipFill>
         <p:spPr>
           <a:xfrm>
-            <a:off x="2900186" y="2529841"/>
-            <a:ext cx="7693582" cy="3826509"/>
+            <a:off x="2306914" y="1785258"/>
+            <a:ext cx="9683098" cy="4816022"/>
           </a:xfrm>
           <a:prstGeom prst="rect">
             <a:avLst/>
@@ -27753,7 +27872,7 @@
         </p:nvSpPr>
         <p:spPr>
           <a:xfrm>
-            <a:off x="514230" y="1228666"/>
+            <a:off x="195943" y="1233317"/>
             <a:ext cx="11281052" cy="4999638"/>
           </a:xfrm>
           <a:prstGeom prst="rect">
@@ -27931,166 +28050,166 @@
           <a:p>
             <a:pPr lvl="1"/>
             <a:r>
-              <a:rPr lang="ko-KR" altLang="en-US"/>
+              <a:rPr lang="ko-KR" altLang="en-US" dirty="0"/>
               <a:t>자료</a:t>
             </a:r>
             <a:r>
-              <a:rPr lang="en-US" altLang="ko-KR"/>
+              <a:rPr lang="en-US" altLang="ko-KR" dirty="0"/>
               <a:t>(data): </a:t>
             </a:r>
             <a:r>
-              <a:rPr lang="ko-KR" altLang="en-US"/>
+              <a:rPr lang="ko-KR" altLang="en-US" dirty="0"/>
               <a:t>프로그래밍에서 프로그램이 처리할 수 있는 모든 것</a:t>
             </a:r>
-            <a:endParaRPr lang="en-US" altLang="ko-KR"/>
+            <a:endParaRPr lang="en-US" altLang="ko-KR" dirty="0"/>
           </a:p>
           <a:p>
             <a:pPr lvl="1"/>
             <a:r>
-              <a:rPr lang="ko-KR" altLang="en-US"/>
+              <a:rPr lang="ko-KR" altLang="en-US" dirty="0"/>
               <a:t>자료형</a:t>
             </a:r>
             <a:r>
-              <a:rPr lang="en-US" altLang="ko-KR"/>
+              <a:rPr lang="en-US" altLang="ko-KR" dirty="0"/>
               <a:t>(data type): </a:t>
             </a:r>
             <a:r>
-              <a:rPr lang="ko-KR" altLang="en-US"/>
+              <a:rPr lang="ko-KR" altLang="en-US" dirty="0"/>
               <a:t>자료 형태에 따라 나눠 놓은 것</a:t>
             </a:r>
-            <a:endParaRPr lang="en-US" altLang="ko-KR"/>
+            <a:endParaRPr lang="en-US" altLang="ko-KR" dirty="0"/>
           </a:p>
           <a:p>
             <a:pPr lvl="2"/>
             <a:r>
-              <a:rPr lang="ko-KR" altLang="en-US"/>
+              <a:rPr lang="ko-KR" altLang="en-US" dirty="0"/>
               <a:t>숫자</a:t>
             </a:r>
             <a:r>
-              <a:rPr lang="en-US" altLang="ko-KR"/>
+              <a:rPr lang="en-US" altLang="ko-KR" dirty="0"/>
               <a:t>(number), </a:t>
             </a:r>
             <a:r>
-              <a:rPr lang="ko-KR" altLang="en-US"/>
+              <a:rPr lang="ko-KR" altLang="en-US" dirty="0"/>
               <a:t>문자열</a:t>
             </a:r>
             <a:r>
-              <a:rPr lang="en-US" altLang="ko-KR"/>
+              <a:rPr lang="en-US" altLang="ko-KR" dirty="0"/>
               <a:t>(string), </a:t>
             </a:r>
             <a:r>
-              <a:rPr lang="ko-KR" altLang="en-US"/>
+              <a:rPr lang="ko-KR" altLang="en-US" dirty="0"/>
               <a:t>불</a:t>
             </a:r>
             <a:r>
-              <a:rPr lang="en-US" altLang="ko-KR"/>
+              <a:rPr lang="en-US" altLang="ko-KR" dirty="0"/>
               <a:t>(Boolean) </a:t>
             </a:r>
             <a:r>
-              <a:rPr lang="ko-KR" altLang="en-US"/>
+              <a:rPr lang="ko-KR" altLang="en-US" dirty="0"/>
               <a:t>자료형</a:t>
             </a:r>
-            <a:endParaRPr lang="en-US" altLang="ko-KR" sz="1800"/>
+            <a:endParaRPr lang="en-US" altLang="ko-KR" sz="1800" dirty="0"/>
           </a:p>
           <a:p>
             <a:pPr lvl="1"/>
             <a:r>
-              <a:rPr lang="ko-KR" altLang="en-US">
+              <a:rPr lang="ko-KR" altLang="en-US" dirty="0">
                 <a:latin typeface="+mn-ea"/>
               </a:rPr>
               <a:t>문자열 자료형</a:t>
             </a:r>
-            <a:endParaRPr lang="en-US" altLang="ko-KR">
+            <a:endParaRPr lang="en-US" altLang="ko-KR" dirty="0">
               <a:latin typeface="+mn-ea"/>
             </a:endParaRPr>
           </a:p>
           <a:p>
             <a:pPr lvl="2"/>
             <a:r>
-              <a:rPr lang="ko-KR" altLang="en-US">
+              <a:rPr lang="ko-KR" altLang="en-US" dirty="0">
                 <a:latin typeface="+mn-ea"/>
               </a:rPr>
               <a:t>문자열 만들기</a:t>
             </a:r>
-            <a:endParaRPr lang="en-US" altLang="ko-KR">
+            <a:endParaRPr lang="en-US" altLang="ko-KR" dirty="0">
               <a:latin typeface="+mn-ea"/>
             </a:endParaRPr>
           </a:p>
           <a:p>
             <a:pPr lvl="2"/>
             <a:r>
-              <a:rPr lang="ko-KR" altLang="en-US">
+              <a:rPr lang="ko-KR" altLang="en-US" dirty="0">
                 <a:latin typeface="+mn-ea"/>
               </a:rPr>
               <a:t>자바스크립트는 </a:t>
             </a:r>
             <a:r>
-              <a:rPr lang="en-US" altLang="ko-KR">
+              <a:rPr lang="en-US" altLang="ko-KR" dirty="0">
                 <a:latin typeface="+mn-ea"/>
               </a:rPr>
               <a:t>2</a:t>
             </a:r>
             <a:r>
-              <a:rPr lang="ko-KR" altLang="en-US">
+              <a:rPr lang="ko-KR" altLang="en-US" dirty="0">
                 <a:latin typeface="+mn-ea"/>
               </a:rPr>
               <a:t>가지 방법으로 문자열을 생성</a:t>
             </a:r>
-            <a:endParaRPr lang="en-US" altLang="ko-KR">
+            <a:endParaRPr lang="en-US" altLang="ko-KR" dirty="0">
               <a:latin typeface="+mn-ea"/>
             </a:endParaRPr>
           </a:p>
           <a:p>
             <a:pPr lvl="3"/>
             <a:r>
-              <a:rPr lang="ko-KR" altLang="en-US">
+              <a:rPr lang="ko-KR" altLang="en-US" dirty="0">
                 <a:latin typeface="+mn-ea"/>
               </a:rPr>
               <a:t>큰따옴표를 사용</a:t>
             </a:r>
-            <a:endParaRPr lang="en-US" altLang="ko-KR">
+            <a:endParaRPr lang="en-US" altLang="ko-KR" dirty="0">
               <a:latin typeface="+mn-ea"/>
             </a:endParaRPr>
           </a:p>
           <a:p>
             <a:pPr lvl="3"/>
             <a:r>
-              <a:rPr lang="ko-KR" altLang="en-US">
+              <a:rPr lang="ko-KR" altLang="en-US" dirty="0">
                 <a:latin typeface="+mn-ea"/>
               </a:rPr>
               <a:t>작은따옴표를 사용</a:t>
             </a:r>
-            <a:endParaRPr lang="en-US" altLang="ko-KR">
+            <a:endParaRPr lang="en-US" altLang="ko-KR" dirty="0">
               <a:latin typeface="+mn-ea"/>
             </a:endParaRPr>
           </a:p>
           <a:p>
             <a:pPr lvl="1"/>
-            <a:endParaRPr lang="en-US" altLang="ko-KR" sz="1600">
+            <a:endParaRPr lang="en-US" altLang="ko-KR" sz="1600" dirty="0">
               <a:latin typeface="+mn-ea"/>
             </a:endParaRPr>
           </a:p>
           <a:p>
             <a:pPr lvl="1"/>
-            <a:endParaRPr lang="en-US" altLang="ko-KR" sz="1600">
+            <a:endParaRPr lang="en-US" altLang="ko-KR" sz="1600" dirty="0">
               <a:latin typeface="+mn-ea"/>
             </a:endParaRPr>
           </a:p>
           <a:p>
             <a:pPr lvl="1"/>
-            <a:endParaRPr lang="en-US" altLang="ko-KR" sz="1600">
+            <a:endParaRPr lang="en-US" altLang="ko-KR" sz="1600" dirty="0">
               <a:latin typeface="+mn-ea"/>
             </a:endParaRPr>
           </a:p>
           <a:p>
             <a:pPr lvl="1"/>
-            <a:endParaRPr lang="en-US" altLang="ko-KR" sz="1600">
+            <a:endParaRPr lang="en-US" altLang="ko-KR" sz="1600" dirty="0">
               <a:latin typeface="+mn-ea"/>
             </a:endParaRPr>
           </a:p>
           <a:p>
             <a:pPr lvl="1"/>
-            <a:endParaRPr lang="en-US" altLang="ko-KR" sz="1600">
+            <a:endParaRPr lang="en-US" altLang="ko-KR" sz="1600" dirty="0">
               <a:latin typeface="+mn-ea"/>
             </a:endParaRPr>
           </a:p>
@@ -28114,10 +28233,16 @@
           <p:cNvGraphicFramePr>
             <a:graphicFrameLocks noGrp="1"/>
           </p:cNvGraphicFramePr>
-          <p:nvPr/>
+          <p:nvPr>
+            <p:extLst>
+              <p:ext uri="{D42A27DB-BD31-4B8C-83A1-F6EECF244321}">
+                <p14:modId xmlns:p14="http://schemas.microsoft.com/office/powerpoint/2010/main" val="656069010"/>
+              </p:ext>
+            </p:extLst>
+          </p:nvPr>
         </p:nvGraphicFramePr>
         <p:xfrm>
-          <a:off x="1965430" y="4490358"/>
+          <a:off x="1709615" y="4452258"/>
           <a:ext cx="4316413" cy="1066800"/>
         </p:xfrm>
         <a:graphic>
@@ -28314,7 +28439,7 @@
         </p:nvSpPr>
         <p:spPr>
           <a:xfrm>
-            <a:off x="1329984" y="5831250"/>
+            <a:off x="1011697" y="5835901"/>
             <a:ext cx="3726431" cy="523220"/>
           </a:xfrm>
           <a:prstGeom prst="rect">
@@ -28375,7 +28500,7 @@
         </p:nvSpPr>
         <p:spPr>
           <a:xfrm>
-            <a:off x="1281584" y="4856704"/>
+            <a:off x="963297" y="4861355"/>
             <a:ext cx="691662" cy="1156898"/>
           </a:xfrm>
           <a:custGeom>
@@ -28551,38 +28676,6 @@
       </p:grpSpPr>
       <p:sp>
         <p:nvSpPr>
-          <p:cNvPr id="5" name="바닥글 개체 틀 4">
-            <a:extLst>
-              <a:ext uri="{FF2B5EF4-FFF2-40B4-BE49-F238E27FC236}">
-                <a16:creationId xmlns:a16="http://schemas.microsoft.com/office/drawing/2014/main" id="{521CC3B3-B1D2-D64F-BD06-599FE41C482E}"/>
-              </a:ext>
-            </a:extLst>
-          </p:cNvPr>
-          <p:cNvSpPr>
-            <a:spLocks noGrp="1"/>
-          </p:cNvSpPr>
-          <p:nvPr>
-            <p:ph type="ftr" sz="quarter" idx="11"/>
-          </p:nvPr>
-        </p:nvSpPr>
-        <p:spPr/>
-        <p:txBody>
-          <a:bodyPr/>
-          <a:lstStyle/>
-          <a:p>
-            <a:r>
-              <a:rPr kumimoji="1" lang="en-US" altLang="ko-KR"/>
-              <a:t>Do it! </a:t>
-            </a:r>
-            <a:r>
-              <a:rPr kumimoji="1" lang="ko-KR" altLang="en-US"/>
-              <a:t>자바스크립트 입문</a:t>
-            </a:r>
-          </a:p>
-        </p:txBody>
-      </p:sp>
-      <p:sp>
-        <p:nvSpPr>
           <p:cNvPr id="3" name="TextBox 2">
             <a:extLst>
               <a:ext uri="{FF2B5EF4-FFF2-40B4-BE49-F238E27FC236}">
@@ -28631,7 +28724,7 @@
         </p:nvSpPr>
         <p:spPr>
           <a:xfrm>
-            <a:off x="838200" y="1799243"/>
+            <a:off x="511628" y="1140610"/>
             <a:ext cx="8741664" cy="2165208"/>
           </a:xfrm>
           <a:prstGeom prst="rect">
